--- a/doc/01 战略/PSI产品战略.pptx
+++ b/doc/01 战略/PSI产品战略.pptx
@@ -5,11 +5,12 @@
     <p:sldMasterId id="2147483828" r:id="rId1"/>
   </p:sldMasterIdLst>
   <p:notesMasterIdLst>
-    <p:notesMasterId r:id="rId4"/>
+    <p:notesMasterId r:id="rId5"/>
   </p:notesMasterIdLst>
   <p:sldIdLst>
     <p:sldId id="256" r:id="rId2"/>
     <p:sldId id="257" r:id="rId3"/>
+    <p:sldId id="258" r:id="rId4"/>
   </p:sldIdLst>
   <p:sldSz cx="9144000" cy="6858000" type="screen4x3"/>
   <p:notesSz cx="6858000" cy="9144000"/>
@@ -193,6 +194,7 @@
           <a:p>
             <a:fld id="{8FA986AC-D63B-43BF-ABD5-894C9141EDE9}" type="datetimeFigureOut">
               <a:rPr lang="zh-CN" altLang="en-US" smtClean="0"/>
+              <a:pPr/>
               <a:t>2021/12/23</a:t>
             </a:fld>
             <a:endParaRPr lang="zh-CN" altLang="en-US"/>
@@ -354,6 +356,7 @@
           <a:p>
             <a:fld id="{30DD13E8-8A28-4D36-98F7-8E8A31049F77}" type="slidenum">
               <a:rPr lang="zh-CN" altLang="en-US" smtClean="0"/>
+              <a:pPr/>
               <a:t>‹#›</a:t>
             </a:fld>
             <a:endParaRPr lang="zh-CN" altLang="en-US"/>
@@ -525,6 +528,7 @@
           <a:p>
             <a:fld id="{30DD13E8-8A28-4D36-98F7-8E8A31049F77}" type="slidenum">
               <a:rPr lang="zh-CN" altLang="en-US" smtClean="0"/>
+              <a:pPr/>
               <a:t>2</a:t>
             </a:fld>
             <a:endParaRPr lang="zh-CN" altLang="en-US"/>
@@ -1164,6 +1168,7 @@
           <a:p>
             <a:fld id="{D9C0AD90-9165-43E8-A10A-4FF9730CB16E}" type="datetime1">
               <a:rPr lang="zh-CN" altLang="en-US" smtClean="0"/>
+              <a:pPr/>
               <a:t>2021/12/23</a:t>
             </a:fld>
             <a:endParaRPr lang="zh-CN" altLang="en-US"/>
@@ -1365,6 +1370,7 @@
           <a:p>
             <a:fld id="{B2A592CF-FF4A-4F6E-A234-CCA072EEF3DF}" type="datetime1">
               <a:rPr lang="zh-CN" altLang="en-US" smtClean="0"/>
+              <a:pPr/>
               <a:t>2021/12/23</a:t>
             </a:fld>
             <a:endParaRPr lang="zh-CN" altLang="en-US"/>
@@ -1555,6 +1561,7 @@
           <a:p>
             <a:fld id="{AA4E759C-B875-417A-BF6A-F8802AC4C00B}" type="datetime1">
               <a:rPr lang="zh-CN" altLang="en-US" smtClean="0"/>
+              <a:pPr/>
               <a:t>2021/12/23</a:t>
             </a:fld>
             <a:endParaRPr lang="zh-CN" altLang="en-US"/>
@@ -1710,6 +1717,7 @@
           <a:p>
             <a:fld id="{A2656E4D-8D4F-43EB-A380-C4E464EE22F0}" type="datetime1">
               <a:rPr lang="zh-CN" altLang="en-US" smtClean="0"/>
+              <a:pPr/>
               <a:t>2021/12/23</a:t>
             </a:fld>
             <a:endParaRPr lang="zh-CN" altLang="en-US"/>
@@ -1970,6 +1978,7 @@
           <a:p>
             <a:fld id="{F245BFB9-2071-4A7E-8C93-BFD38CF24DF5}" type="datetime1">
               <a:rPr lang="zh-CN" altLang="en-US" smtClean="0"/>
+              <a:pPr/>
               <a:t>2021/12/23</a:t>
             </a:fld>
             <a:endParaRPr lang="zh-CN" altLang="en-US"/>
@@ -2384,6 +2393,7 @@
           <a:p>
             <a:fld id="{64D81E65-76C3-4B8F-B96A-2E61B4980E51}" type="datetime1">
               <a:rPr lang="zh-CN" altLang="en-US" smtClean="0"/>
+              <a:pPr/>
               <a:t>2021/12/23</a:t>
             </a:fld>
             <a:endParaRPr lang="zh-CN" altLang="en-US"/>
@@ -2835,6 +2845,7 @@
           <a:p>
             <a:fld id="{A04DB415-D56C-49B3-8D96-548B13A44BFC}" type="datetime1">
               <a:rPr lang="zh-CN" altLang="en-US" smtClean="0"/>
+              <a:pPr/>
               <a:t>2021/12/23</a:t>
             </a:fld>
             <a:endParaRPr lang="zh-CN" altLang="en-US"/>
@@ -2941,6 +2952,7 @@
           <a:p>
             <a:fld id="{4BDAA57E-8309-4976-B392-95B5409AE8ED}" type="datetime1">
               <a:rPr lang="zh-CN" altLang="en-US" smtClean="0"/>
+              <a:pPr/>
               <a:t>2021/12/23</a:t>
             </a:fld>
             <a:endParaRPr lang="zh-CN" altLang="en-US"/>
@@ -3067,6 +3079,7 @@
           <a:p>
             <a:fld id="{D8172D9A-FDDF-48AB-9CB0-3052958E5A68}" type="datetime1">
               <a:rPr lang="zh-CN" altLang="en-US" smtClean="0"/>
+              <a:pPr/>
               <a:t>2021/12/23</a:t>
             </a:fld>
             <a:endParaRPr lang="zh-CN" altLang="en-US"/>
@@ -3346,6 +3359,7 @@
           <a:p>
             <a:fld id="{5FF78D67-6F34-443F-A98A-70AB8D8162FC}" type="datetime1">
               <a:rPr lang="zh-CN" altLang="en-US" smtClean="0"/>
+              <a:pPr/>
               <a:t>2021/12/23</a:t>
             </a:fld>
             <a:endParaRPr lang="zh-CN" altLang="en-US"/>
@@ -3556,6 +3570,7 @@
           <a:p>
             <a:fld id="{B6D472FA-25B0-487A-952A-C1DD7DC97A68}" type="datetime1">
               <a:rPr lang="zh-CN" altLang="en-US" smtClean="0"/>
+              <a:pPr/>
               <a:t>2021/12/23</a:t>
             </a:fld>
             <a:endParaRPr lang="zh-CN" altLang="en-US"/>
@@ -4670,6 +4685,7 @@
           <a:p>
             <a:fld id="{C4ADAF56-E7AE-4D4A-9758-8A933FDB32C7}" type="datetime1">
               <a:rPr lang="zh-CN" altLang="en-US" smtClean="0"/>
+              <a:pPr/>
               <a:t>2021/12/23</a:t>
             </a:fld>
             <a:endParaRPr lang="zh-CN" altLang="en-US"/>
@@ -5218,7 +5234,6 @@
               <a:rPr lang="en-US" dirty="0" smtClean="0"/>
               <a:t>nfrastructure </a:t>
             </a:r>
-            <a:endParaRPr lang="en-US" dirty="0" smtClean="0"/>
           </a:p>
           <a:p>
             <a:pPr>
@@ -5280,6 +5295,7 @@
                     <a:bodyPr/>
                     <a:lstStyle/>
                     <a:p>
+                      <a:pPr algn="ctr"/>
                       <a:r>
                         <a:rPr lang="zh-CN" altLang="en-US" dirty="0" smtClean="0"/>
                         <a:t>构成</a:t>
@@ -5294,6 +5310,7 @@
                     <a:bodyPr/>
                     <a:lstStyle/>
                     <a:p>
+                      <a:pPr algn="ctr"/>
                       <a:r>
                         <a:rPr lang="zh-CN" altLang="en-US" dirty="0" smtClean="0"/>
                         <a:t>说明</a:t>
@@ -5342,6 +5359,7 @@
                     <a:bodyPr/>
                     <a:lstStyle/>
                     <a:p>
+                      <a:pPr algn="ctr"/>
                       <a:r>
                         <a:rPr lang="zh-CN" altLang="en-US" dirty="0" smtClean="0"/>
                         <a:t>合作伙伴</a:t>
@@ -5387,13 +5405,14 @@
                       <a:endParaRPr lang="zh-CN" altLang="en-US" dirty="0"/>
                     </a:p>
                   </a:txBody>
-                  <a:tcPr/>
+                  <a:tcPr anchor="ctr"/>
                 </a:tc>
                 <a:tc>
                   <a:txBody>
                     <a:bodyPr/>
                     <a:lstStyle/>
                     <a:p>
+                      <a:pPr algn="ctr"/>
                       <a:r>
                         <a:rPr lang="zh-CN" altLang="en-US" dirty="0" smtClean="0"/>
                         <a:t>解决方案</a:t>
@@ -5401,7 +5420,7 @@
                       <a:endParaRPr lang="zh-CN" altLang="en-US" dirty="0"/>
                     </a:p>
                   </a:txBody>
-                  <a:tcPr/>
+                  <a:tcPr anchor="ctr"/>
                 </a:tc>
                 <a:tc>
                   <a:txBody>
@@ -5453,6 +5472,7 @@
                     <a:bodyPr/>
                     <a:lstStyle/>
                     <a:p>
+                      <a:pPr algn="ctr"/>
                       <a:r>
                         <a:rPr lang="zh-CN" altLang="en-US" dirty="0" smtClean="0"/>
                         <a:t>基础设施</a:t>
@@ -5573,6 +5593,492 @@
               <a:t>基于开源软件，艾格林门与合作伙伴协作，为企业提供全面的管理解决方案</a:t>
             </a:r>
             <a:endParaRPr lang="zh-CN" altLang="en-US" dirty="0"/>
+          </a:p>
+        </p:txBody>
+      </p:sp>
+    </p:spTree>
+  </p:cSld>
+  <p:clrMapOvr>
+    <a:masterClrMapping/>
+  </p:clrMapOvr>
+  <p:timing>
+    <p:tnLst>
+      <p:par>
+        <p:cTn id="1" dur="indefinite" restart="never" nodeType="tmRoot"/>
+      </p:par>
+    </p:tnLst>
+  </p:timing>
+</p:sld>
+</file>
+
+<file path=ppt/slides/slide3.xml><?xml version="1.0" encoding="utf-8"?>
+<p:sld xmlns:a="http://schemas.openxmlformats.org/drawingml/2006/main" xmlns:r="http://schemas.openxmlformats.org/officeDocument/2006/relationships" xmlns:p="http://schemas.openxmlformats.org/presentationml/2006/main">
+  <p:cSld>
+    <p:spTree>
+      <p:nvGrpSpPr>
+        <p:cNvPr id="1" name=""/>
+        <p:cNvGrpSpPr/>
+        <p:nvPr/>
+      </p:nvGrpSpPr>
+      <p:grpSpPr>
+        <a:xfrm>
+          <a:off x="0" y="0"/>
+          <a:ext cx="0" cy="0"/>
+          <a:chOff x="0" y="0"/>
+          <a:chExt cx="0" cy="0"/>
+        </a:xfrm>
+      </p:grpSpPr>
+      <p:graphicFrame>
+        <p:nvGraphicFramePr>
+          <p:cNvPr id="6" name="内容占位符 5"/>
+          <p:cNvGraphicFramePr>
+            <a:graphicFrameLocks noGrp="1"/>
+          </p:cNvGraphicFramePr>
+          <p:nvPr>
+            <p:ph idx="1"/>
+          </p:nvPr>
+        </p:nvGraphicFramePr>
+        <p:xfrm>
+          <a:off x="642910" y="2428868"/>
+          <a:ext cx="8043890" cy="2021840"/>
+        </p:xfrm>
+        <a:graphic>
+          <a:graphicData uri="http://schemas.openxmlformats.org/drawingml/2006/table">
+            <a:tbl>
+              <a:tblPr firstRow="1" bandRow="1">
+                <a:tableStyleId>{5C22544A-7EE6-4342-B048-85BDC9FD1C3A}</a:tableStyleId>
+              </a:tblPr>
+              <a:tblGrid>
+                <a:gridCol w="3857652"/>
+                <a:gridCol w="4186238"/>
+              </a:tblGrid>
+              <a:tr h="370840">
+                <a:tc>
+                  <a:txBody>
+                    <a:bodyPr/>
+                    <a:lstStyle/>
+                    <a:p>
+                      <a:pPr algn="ctr"/>
+                      <a:r>
+                        <a:rPr lang="zh-CN" altLang="en-US" dirty="0" smtClean="0"/>
+                        <a:t>手段</a:t>
+                      </a:r>
+                      <a:endParaRPr lang="zh-CN" altLang="en-US" dirty="0"/>
+                    </a:p>
+                  </a:txBody>
+                  <a:tcPr/>
+                </a:tc>
+                <a:tc>
+                  <a:txBody>
+                    <a:bodyPr/>
+                    <a:lstStyle/>
+                    <a:p>
+                      <a:pPr algn="ctr"/>
+                      <a:r>
+                        <a:rPr lang="zh-CN" altLang="en-US" dirty="0" smtClean="0"/>
+                        <a:t>目标</a:t>
+                      </a:r>
+                      <a:endParaRPr lang="zh-CN" altLang="en-US" dirty="0"/>
+                    </a:p>
+                  </a:txBody>
+                  <a:tcPr/>
+                </a:tc>
+              </a:tr>
+              <a:tr h="370840">
+                <a:tc rowSpan="3">
+                  <a:txBody>
+                    <a:bodyPr/>
+                    <a:lstStyle/>
+                    <a:p>
+                      <a:pPr algn="ctr"/>
+                      <a:r>
+                        <a:rPr lang="zh-CN" altLang="en-US" dirty="0" smtClean="0"/>
+                        <a:t>提供</a:t>
+                      </a:r>
+                      <a:r>
+                        <a:rPr lang="en-US" altLang="zh-CN" dirty="0" smtClean="0"/>
+                        <a:t>100%</a:t>
+                      </a:r>
+                      <a:r>
+                        <a:rPr lang="zh-CN" altLang="en-US" dirty="0" smtClean="0"/>
+                        <a:t>开放源代码的软件系统</a:t>
+                      </a:r>
+                      <a:endParaRPr lang="zh-CN" altLang="en-US" dirty="0"/>
+                    </a:p>
+                  </a:txBody>
+                  <a:tcPr anchor="ctr"/>
+                </a:tc>
+                <a:tc>
+                  <a:txBody>
+                    <a:bodyPr/>
+                    <a:lstStyle/>
+                    <a:p>
+                      <a:r>
+                        <a:rPr lang="zh-CN" altLang="en-US" dirty="0" smtClean="0"/>
+                        <a:t>与合作伙伴协作的基础平台，减少重复劳动</a:t>
+                      </a:r>
+                      <a:endParaRPr lang="zh-CN" altLang="en-US" dirty="0"/>
+                    </a:p>
+                  </a:txBody>
+                  <a:tcPr/>
+                </a:tc>
+              </a:tr>
+              <a:tr h="370840">
+                <a:tc vMerge="1">
+                  <a:txBody>
+                    <a:bodyPr/>
+                    <a:lstStyle/>
+                    <a:p>
+                      <a:endParaRPr lang="zh-CN" altLang="en-US" dirty="0"/>
+                    </a:p>
+                  </a:txBody>
+                  <a:tcPr/>
+                </a:tc>
+                <a:tc>
+                  <a:txBody>
+                    <a:bodyPr/>
+                    <a:lstStyle/>
+                    <a:p>
+                      <a:r>
+                        <a:rPr lang="zh-CN" altLang="en-US" dirty="0" smtClean="0"/>
+                        <a:t>汇聚离散的力量，形成大公司才具有的软件研发能力</a:t>
+                      </a:r>
+                      <a:endParaRPr lang="zh-CN" altLang="en-US" dirty="0"/>
+                    </a:p>
+                  </a:txBody>
+                  <a:tcPr/>
+                </a:tc>
+              </a:tr>
+              <a:tr h="370840">
+                <a:tc vMerge="1">
+                  <a:txBody>
+                    <a:bodyPr/>
+                    <a:lstStyle/>
+                    <a:p>
+                      <a:pPr algn="ctr"/>
+                      <a:endParaRPr lang="zh-CN" altLang="en-US" dirty="0"/>
+                    </a:p>
+                  </a:txBody>
+                  <a:tcPr anchor="ctr"/>
+                </a:tc>
+                <a:tc>
+                  <a:txBody>
+                    <a:bodyPr/>
+                    <a:lstStyle/>
+                    <a:p>
+                      <a:r>
+                        <a:rPr lang="zh-CN" altLang="en-US" dirty="0" smtClean="0"/>
+                        <a:t>非合作伙伴也能受益，兼顾了社会效益</a:t>
+                      </a:r>
+                      <a:endParaRPr lang="zh-CN" altLang="en-US" dirty="0"/>
+                    </a:p>
+                  </a:txBody>
+                  <a:tcPr/>
+                </a:tc>
+              </a:tr>
+            </a:tbl>
+          </a:graphicData>
+        </a:graphic>
+      </p:graphicFrame>
+      <p:sp>
+        <p:nvSpPr>
+          <p:cNvPr id="3" name="页脚占位符 2"/>
+          <p:cNvSpPr>
+            <a:spLocks noGrp="1"/>
+          </p:cNvSpPr>
+          <p:nvPr>
+            <p:ph type="ftr" sz="quarter" idx="11"/>
+          </p:nvPr>
+        </p:nvSpPr>
+        <p:spPr/>
+        <p:txBody>
+          <a:bodyPr/>
+          <a:lstStyle/>
+          <a:p>
+            <a:r>
+              <a:rPr lang="zh-CN" altLang="en-US" smtClean="0"/>
+              <a:t>艾格林门信息服务（大连）有限公司</a:t>
+            </a:r>
+            <a:endParaRPr lang="zh-CN" altLang="en-US"/>
+          </a:p>
+        </p:txBody>
+      </p:sp>
+      <p:sp>
+        <p:nvSpPr>
+          <p:cNvPr id="4" name="灯片编号占位符 3"/>
+          <p:cNvSpPr>
+            <a:spLocks noGrp="1"/>
+          </p:cNvSpPr>
+          <p:nvPr>
+            <p:ph type="sldNum" sz="quarter" idx="12"/>
+          </p:nvPr>
+        </p:nvSpPr>
+        <p:spPr/>
+        <p:txBody>
+          <a:bodyPr/>
+          <a:lstStyle/>
+          <a:p>
+            <a:fld id="{5B0C748D-342E-484C-99EF-D2112307895F}" type="slidenum">
+              <a:rPr lang="zh-CN" altLang="en-US" smtClean="0"/>
+              <a:pPr/>
+              <a:t>3</a:t>
+            </a:fld>
+            <a:endParaRPr lang="zh-CN" altLang="en-US"/>
+          </a:p>
+        </p:txBody>
+      </p:sp>
+      <p:sp>
+        <p:nvSpPr>
+          <p:cNvPr id="5" name="标题 4"/>
+          <p:cNvSpPr>
+            <a:spLocks noGrp="1"/>
+          </p:cNvSpPr>
+          <p:nvPr>
+            <p:ph type="title"/>
+          </p:nvPr>
+        </p:nvSpPr>
+        <p:spPr/>
+        <p:txBody>
+          <a:bodyPr/>
+          <a:lstStyle/>
+          <a:p>
+            <a:r>
+              <a:rPr lang="en-US" dirty="0" smtClean="0">
+                <a:solidFill>
+                  <a:srgbClr val="C00000"/>
+                </a:solidFill>
+              </a:rPr>
+              <a:t>I</a:t>
+            </a:r>
+            <a:r>
+              <a:rPr lang="en-US" dirty="0" smtClean="0"/>
+              <a:t>nfrastructure</a:t>
+            </a:r>
+            <a:endParaRPr lang="zh-CN" altLang="en-US" dirty="0"/>
+          </a:p>
+        </p:txBody>
+      </p:sp>
+      <p:sp>
+        <p:nvSpPr>
+          <p:cNvPr id="7" name="内容占位符 2"/>
+          <p:cNvSpPr txBox="1">
+            <a:spLocks/>
+          </p:cNvSpPr>
+          <p:nvPr/>
+        </p:nvSpPr>
+        <p:spPr>
+          <a:xfrm>
+            <a:off x="457200" y="1481328"/>
+            <a:ext cx="8229600" cy="4525963"/>
+          </a:xfrm>
+          <a:prstGeom prst="rect">
+            <a:avLst/>
+          </a:prstGeom>
+        </p:spPr>
+        <p:txBody>
+          <a:bodyPr vert="horz">
+            <a:normAutofit/>
+          </a:bodyPr>
+          <a:lstStyle/>
+          <a:p>
+            <a:pPr marL="365760" marR="0" lvl="0" indent="-256032" algn="l" defTabSz="914400" rtl="0" eaLnBrk="1" fontAlgn="auto" latinLnBrk="0" hangingPunct="1">
+              <a:lnSpc>
+                <a:spcPct val="100000"/>
+              </a:lnSpc>
+              <a:spcBef>
+                <a:spcPts val="400"/>
+              </a:spcBef>
+              <a:spcAft>
+                <a:spcPts val="0"/>
+              </a:spcAft>
+              <a:buClr>
+                <a:schemeClr val="accent1"/>
+              </a:buClr>
+              <a:buSzPct val="68000"/>
+              <a:buFont typeface="Wingdings 3"/>
+              <a:buNone/>
+              <a:tabLst/>
+              <a:defRPr/>
+            </a:pPr>
+            <a:r>
+              <a:rPr kumimoji="0" lang="en-US" altLang="zh-CN" sz="2700" b="1" i="0" u="none" strike="noStrike" kern="1200" cap="none" spc="0" normalizeH="0" baseline="0" noProof="0" dirty="0" smtClean="0">
+                <a:ln>
+                  <a:noFill/>
+                </a:ln>
+                <a:solidFill>
+                  <a:srgbClr val="C00000"/>
+                </a:solidFill>
+                <a:effectLst/>
+                <a:uLnTx/>
+                <a:uFillTx/>
+                <a:latin typeface="+mn-lt"/>
+                <a:ea typeface="+mn-ea"/>
+                <a:cs typeface="+mn-cs"/>
+              </a:rPr>
+              <a:t>PSI – P</a:t>
+            </a:r>
+            <a:r>
+              <a:rPr kumimoji="0" lang="en-US" altLang="zh-CN" sz="2700" b="0" i="0" u="none" strike="noStrike" kern="1200" cap="none" spc="0" normalizeH="0" baseline="0" noProof="0" dirty="0" smtClean="0">
+                <a:ln>
+                  <a:noFill/>
+                </a:ln>
+                <a:solidFill>
+                  <a:schemeClr val="tx1"/>
+                </a:solidFill>
+                <a:effectLst/>
+                <a:uLnTx/>
+                <a:uFillTx/>
+                <a:latin typeface="+mn-lt"/>
+                <a:ea typeface="+mn-ea"/>
+                <a:cs typeface="+mn-cs"/>
+              </a:rPr>
+              <a:t>artner, </a:t>
+            </a:r>
+            <a:r>
+              <a:rPr kumimoji="0" lang="en-US" altLang="zh-CN" sz="2700" b="1" i="0" u="none" strike="noStrike" kern="1200" cap="none" spc="0" normalizeH="0" baseline="0" noProof="0" dirty="0" smtClean="0">
+                <a:ln>
+                  <a:noFill/>
+                </a:ln>
+                <a:solidFill>
+                  <a:srgbClr val="C00000"/>
+                </a:solidFill>
+                <a:effectLst/>
+                <a:uLnTx/>
+                <a:uFillTx/>
+                <a:latin typeface="+mn-lt"/>
+                <a:ea typeface="+mn-ea"/>
+                <a:cs typeface="+mn-cs"/>
+              </a:rPr>
+              <a:t>S</a:t>
+            </a:r>
+            <a:r>
+              <a:rPr kumimoji="0" lang="en-US" altLang="zh-CN" sz="2700" b="0" i="0" u="none" strike="noStrike" kern="1200" cap="none" spc="0" normalizeH="0" baseline="0" noProof="0" dirty="0" smtClean="0">
+                <a:ln>
+                  <a:noFill/>
+                </a:ln>
+                <a:solidFill>
+                  <a:schemeClr val="tx1"/>
+                </a:solidFill>
+                <a:effectLst/>
+                <a:uLnTx/>
+                <a:uFillTx/>
+                <a:latin typeface="+mn-lt"/>
+                <a:ea typeface="+mn-ea"/>
+                <a:cs typeface="+mn-cs"/>
+              </a:rPr>
+              <a:t>olution, </a:t>
+            </a:r>
+            <a:r>
+              <a:rPr kumimoji="0" lang="en-US" sz="2700" b="1" i="0" u="none" strike="noStrike" kern="1200" cap="none" spc="0" normalizeH="0" baseline="0" noProof="0" dirty="0" smtClean="0">
+                <a:ln>
+                  <a:noFill/>
+                </a:ln>
+                <a:solidFill>
+                  <a:srgbClr val="C00000"/>
+                </a:solidFill>
+                <a:effectLst/>
+                <a:uLnTx/>
+                <a:uFillTx/>
+                <a:latin typeface="+mn-lt"/>
+                <a:ea typeface="+mn-ea"/>
+                <a:cs typeface="+mn-cs"/>
+              </a:rPr>
+              <a:t>I</a:t>
+            </a:r>
+            <a:r>
+              <a:rPr kumimoji="0" lang="en-US" sz="2700" b="0" i="0" u="none" strike="noStrike" kern="1200" cap="none" spc="0" normalizeH="0" baseline="0" noProof="0" dirty="0" smtClean="0">
+                <a:ln>
+                  <a:noFill/>
+                </a:ln>
+                <a:solidFill>
+                  <a:schemeClr val="tx1"/>
+                </a:solidFill>
+                <a:effectLst/>
+                <a:uLnTx/>
+                <a:uFillTx/>
+                <a:latin typeface="+mn-lt"/>
+                <a:ea typeface="+mn-ea"/>
+                <a:cs typeface="+mn-cs"/>
+              </a:rPr>
+              <a:t>nfrastructure</a:t>
+            </a:r>
+          </a:p>
+          <a:p>
+            <a:pPr marL="365760" marR="0" lvl="0" indent="-256032" algn="l" defTabSz="914400" rtl="0" eaLnBrk="1" fontAlgn="auto" latinLnBrk="0" hangingPunct="1">
+              <a:lnSpc>
+                <a:spcPct val="100000"/>
+              </a:lnSpc>
+              <a:spcBef>
+                <a:spcPts val="400"/>
+              </a:spcBef>
+              <a:spcAft>
+                <a:spcPts val="0"/>
+              </a:spcAft>
+              <a:buClr>
+                <a:schemeClr val="accent1"/>
+              </a:buClr>
+              <a:buSzPct val="68000"/>
+              <a:buFont typeface="Wingdings 3"/>
+              <a:buNone/>
+              <a:tabLst/>
+              <a:defRPr/>
+            </a:pPr>
+            <a:r>
+              <a:rPr lang="zh-CN" altLang="en-US" sz="2700" noProof="0" dirty="0" smtClean="0"/>
+              <a:t>基础设施</a:t>
+            </a:r>
+            <a:r>
+              <a:rPr kumimoji="0" lang="en-US" sz="2700" b="0" i="0" u="none" strike="noStrike" kern="1200" cap="none" spc="0" normalizeH="0" baseline="0" noProof="0" dirty="0" smtClean="0">
+                <a:ln>
+                  <a:noFill/>
+                </a:ln>
+                <a:solidFill>
+                  <a:schemeClr val="tx1"/>
+                </a:solidFill>
+                <a:effectLst/>
+                <a:uLnTx/>
+                <a:uFillTx/>
+                <a:latin typeface="+mn-lt"/>
+                <a:ea typeface="+mn-ea"/>
+                <a:cs typeface="+mn-cs"/>
+              </a:rPr>
+              <a:t> </a:t>
+            </a:r>
+          </a:p>
+          <a:p>
+            <a:pPr marL="365760" marR="0" lvl="0" indent="-256032" algn="l" defTabSz="914400" rtl="0" eaLnBrk="1" fontAlgn="auto" latinLnBrk="0" hangingPunct="1">
+              <a:lnSpc>
+                <a:spcPct val="100000"/>
+              </a:lnSpc>
+              <a:spcBef>
+                <a:spcPts val="400"/>
+              </a:spcBef>
+              <a:spcAft>
+                <a:spcPts val="0"/>
+              </a:spcAft>
+              <a:buClr>
+                <a:schemeClr val="accent1"/>
+              </a:buClr>
+              <a:buSzPct val="68000"/>
+              <a:buFont typeface="Wingdings 3"/>
+              <a:buNone/>
+              <a:tabLst/>
+              <a:defRPr/>
+            </a:pPr>
+            <a:endParaRPr kumimoji="0" lang="zh-CN" altLang="en-US" sz="2700" b="0" i="0" u="none" strike="noStrike" kern="1200" cap="none" spc="0" normalizeH="0" baseline="0" noProof="0" dirty="0">
+              <a:ln>
+                <a:noFill/>
+              </a:ln>
+              <a:solidFill>
+                <a:schemeClr val="tx1"/>
+              </a:solidFill>
+              <a:effectLst/>
+              <a:uLnTx/>
+              <a:uFillTx/>
+              <a:latin typeface="+mn-lt"/>
+              <a:ea typeface="+mn-ea"/>
+              <a:cs typeface="+mn-cs"/>
+            </a:endParaRPr>
           </a:p>
         </p:txBody>
       </p:sp>

--- a/doc/01 战略/PSI产品战略.pptx
+++ b/doc/01 战略/PSI产品战略.pptx
@@ -5589,10 +5589,24 @@
           <a:lstStyle/>
           <a:p>
             <a:r>
-              <a:rPr lang="zh-CN" altLang="en-US" dirty="0" smtClean="0"/>
+              <a:rPr lang="zh-CN" altLang="en-US" dirty="0" smtClean="0">
+                <a:solidFill>
+                  <a:schemeClr val="tx1">
+                    <a:lumMod val="65000"/>
+                    <a:lumOff val="35000"/>
+                  </a:schemeClr>
+                </a:solidFill>
+              </a:rPr>
               <a:t>基于开源软件，艾格林门与合作伙伴协作，为企业提供全面的管理解决方案</a:t>
             </a:r>
-            <a:endParaRPr lang="zh-CN" altLang="en-US" dirty="0"/>
+            <a:endParaRPr lang="zh-CN" altLang="en-US" dirty="0">
+              <a:solidFill>
+                <a:schemeClr val="tx1">
+                  <a:lumMod val="65000"/>
+                  <a:lumOff val="35000"/>
+                </a:schemeClr>
+              </a:solidFill>
+            </a:endParaRPr>
           </a:p>
         </p:txBody>
       </p:sp>
@@ -6078,6 +6092,50 @@
               <a:latin typeface="+mn-lt"/>
               <a:ea typeface="+mn-ea"/>
               <a:cs typeface="+mn-cs"/>
+            </a:endParaRPr>
+          </a:p>
+        </p:txBody>
+      </p:sp>
+      <p:sp>
+        <p:nvSpPr>
+          <p:cNvPr id="8" name="TextBox 7"/>
+          <p:cNvSpPr txBox="1"/>
+          <p:nvPr/>
+        </p:nvSpPr>
+        <p:spPr>
+          <a:xfrm>
+            <a:off x="714348" y="4929198"/>
+            <a:ext cx="3877985" cy="369332"/>
+          </a:xfrm>
+          <a:prstGeom prst="rect">
+            <a:avLst/>
+          </a:prstGeom>
+          <a:noFill/>
+        </p:spPr>
+        <p:txBody>
+          <a:bodyPr wrap="none" rtlCol="0">
+            <a:spAutoFit/>
+          </a:bodyPr>
+          <a:lstStyle/>
+          <a:p>
+            <a:r>
+              <a:rPr lang="zh-CN" altLang="en-US" dirty="0" smtClean="0">
+                <a:solidFill>
+                  <a:schemeClr val="tx1">
+                    <a:lumMod val="65000"/>
+                    <a:lumOff val="35000"/>
+                  </a:schemeClr>
+                </a:solidFill>
+              </a:rPr>
+              <a:t>从商业的视角来理解和应用开源技术</a:t>
+            </a:r>
+            <a:endParaRPr lang="zh-CN" altLang="en-US" dirty="0">
+              <a:solidFill>
+                <a:schemeClr val="tx1">
+                  <a:lumMod val="65000"/>
+                  <a:lumOff val="35000"/>
+                </a:schemeClr>
+              </a:solidFill>
             </a:endParaRPr>
           </a:p>
         </p:txBody>

--- a/doc/01 战略/PSI产品战略.pptx
+++ b/doc/01 战略/PSI产品战略.pptx
@@ -5,12 +5,13 @@
     <p:sldMasterId id="2147483828" r:id="rId1"/>
   </p:sldMasterIdLst>
   <p:notesMasterIdLst>
-    <p:notesMasterId r:id="rId5"/>
+    <p:notesMasterId r:id="rId6"/>
   </p:notesMasterIdLst>
   <p:sldIdLst>
     <p:sldId id="256" r:id="rId2"/>
     <p:sldId id="257" r:id="rId3"/>
     <p:sldId id="258" r:id="rId4"/>
+    <p:sldId id="259" r:id="rId5"/>
   </p:sldIdLst>
   <p:sldSz cx="9144000" cy="6858000" type="screen4x3"/>
   <p:notesSz cx="6858000" cy="9144000"/>
@@ -5866,7 +5867,15 @@
             </a:r>
             <a:r>
               <a:rPr lang="en-US" dirty="0" smtClean="0"/>
-              <a:t>nfrastructure</a:t>
+              <a:t>nfrastructure </a:t>
+            </a:r>
+            <a:r>
+              <a:rPr lang="en-US" altLang="zh-CN" dirty="0" smtClean="0"/>
+              <a:t>– </a:t>
+            </a:r>
+            <a:r>
+              <a:rPr lang="zh-CN" altLang="en-US" dirty="0" smtClean="0"/>
+              <a:t>基础设施</a:t>
             </a:r>
             <a:endParaRPr lang="zh-CN" altLang="en-US" dirty="0"/>
           </a:p>
@@ -6037,27 +6046,20 @@
               <a:tabLst/>
               <a:defRPr/>
             </a:pPr>
-            <a:r>
-              <a:rPr lang="zh-CN" altLang="en-US" sz="2700" noProof="0" dirty="0" smtClean="0"/>
-              <a:t>基础设施</a:t>
-            </a:r>
-            <a:r>
-              <a:rPr kumimoji="0" lang="en-US" sz="2700" b="0" i="0" u="none" strike="noStrike" kern="1200" cap="none" spc="0" normalizeH="0" baseline="0" noProof="0" dirty="0" smtClean="0">
-                <a:ln>
-                  <a:noFill/>
-                </a:ln>
-                <a:solidFill>
-                  <a:schemeClr val="tx1"/>
-                </a:solidFill>
-                <a:effectLst/>
-                <a:uLnTx/>
-                <a:uFillTx/>
-                <a:latin typeface="+mn-lt"/>
-                <a:ea typeface="+mn-ea"/>
-                <a:cs typeface="+mn-cs"/>
-              </a:rPr>
-              <a:t> </a:t>
-            </a:r>
+            <a:endParaRPr kumimoji="0" lang="en-US" sz="2700" b="0" i="0" u="none" strike="noStrike" kern="1200" cap="none" spc="0" normalizeH="0" baseline="0" noProof="0" dirty="0" smtClean="0">
+              <a:ln>
+                <a:noFill/>
+              </a:ln>
+              <a:solidFill>
+                <a:schemeClr val="tx1"/>
+              </a:solidFill>
+              <a:effectLst/>
+              <a:uLnTx/>
+              <a:uFillTx/>
+              <a:latin typeface="+mn-lt"/>
+              <a:ea typeface="+mn-ea"/>
+              <a:cs typeface="+mn-cs"/>
+            </a:endParaRPr>
           </a:p>
           <a:p>
             <a:pPr marL="365760" marR="0" lvl="0" indent="-256032" algn="l" defTabSz="914400" rtl="0" eaLnBrk="1" fontAlgn="auto" latinLnBrk="0" hangingPunct="1">
@@ -6128,6 +6130,489 @@
                 </a:solidFill>
               </a:rPr>
               <a:t>从商业的视角来理解和应用开源技术</a:t>
+            </a:r>
+            <a:endParaRPr lang="zh-CN" altLang="en-US" dirty="0">
+              <a:solidFill>
+                <a:schemeClr val="tx1">
+                  <a:lumMod val="65000"/>
+                  <a:lumOff val="35000"/>
+                </a:schemeClr>
+              </a:solidFill>
+            </a:endParaRPr>
+          </a:p>
+        </p:txBody>
+      </p:sp>
+    </p:spTree>
+  </p:cSld>
+  <p:clrMapOvr>
+    <a:masterClrMapping/>
+  </p:clrMapOvr>
+  <p:timing>
+    <p:tnLst>
+      <p:par>
+        <p:cTn id="1" dur="indefinite" restart="never" nodeType="tmRoot"/>
+      </p:par>
+    </p:tnLst>
+  </p:timing>
+</p:sld>
+</file>
+
+<file path=ppt/slides/slide4.xml><?xml version="1.0" encoding="utf-8"?>
+<p:sld xmlns:a="http://schemas.openxmlformats.org/drawingml/2006/main" xmlns:r="http://schemas.openxmlformats.org/officeDocument/2006/relationships" xmlns:p="http://schemas.openxmlformats.org/presentationml/2006/main">
+  <p:cSld>
+    <p:spTree>
+      <p:nvGrpSpPr>
+        <p:cNvPr id="1" name=""/>
+        <p:cNvGrpSpPr/>
+        <p:nvPr/>
+      </p:nvGrpSpPr>
+      <p:grpSpPr>
+        <a:xfrm>
+          <a:off x="0" y="0"/>
+          <a:ext cx="0" cy="0"/>
+          <a:chOff x="0" y="0"/>
+          <a:chExt cx="0" cy="0"/>
+        </a:xfrm>
+      </p:grpSpPr>
+      <p:sp>
+        <p:nvSpPr>
+          <p:cNvPr id="2" name="内容占位符 1"/>
+          <p:cNvSpPr>
+            <a:spLocks noGrp="1"/>
+          </p:cNvSpPr>
+          <p:nvPr>
+            <p:ph idx="1"/>
+          </p:nvPr>
+        </p:nvSpPr>
+        <p:spPr/>
+        <p:txBody>
+          <a:bodyPr/>
+          <a:lstStyle/>
+          <a:p>
+            <a:pPr lvl="0"/>
+            <a:r>
+              <a:rPr lang="en-US" altLang="zh-CN" b="1" dirty="0" smtClean="0">
+                <a:solidFill>
+                  <a:srgbClr val="C00000"/>
+                </a:solidFill>
+              </a:rPr>
+              <a:t>PSI – P</a:t>
+            </a:r>
+            <a:r>
+              <a:rPr lang="en-US" altLang="zh-CN" dirty="0" smtClean="0"/>
+              <a:t>artner, </a:t>
+            </a:r>
+            <a:r>
+              <a:rPr lang="en-US" altLang="zh-CN" b="1" dirty="0" smtClean="0">
+                <a:solidFill>
+                  <a:srgbClr val="C00000"/>
+                </a:solidFill>
+              </a:rPr>
+              <a:t>S</a:t>
+            </a:r>
+            <a:r>
+              <a:rPr lang="en-US" altLang="zh-CN" dirty="0" smtClean="0"/>
+              <a:t>olution, </a:t>
+            </a:r>
+            <a:r>
+              <a:rPr lang="en-US" b="1" dirty="0" smtClean="0">
+                <a:solidFill>
+                  <a:srgbClr val="C00000"/>
+                </a:solidFill>
+              </a:rPr>
+              <a:t>I</a:t>
+            </a:r>
+            <a:r>
+              <a:rPr lang="en-US" dirty="0" smtClean="0"/>
+              <a:t>nfrastructure</a:t>
+            </a:r>
+          </a:p>
+          <a:p>
+            <a:endParaRPr lang="zh-CN" altLang="en-US" dirty="0"/>
+          </a:p>
+        </p:txBody>
+      </p:sp>
+      <p:sp>
+        <p:nvSpPr>
+          <p:cNvPr id="3" name="页脚占位符 2"/>
+          <p:cNvSpPr>
+            <a:spLocks noGrp="1"/>
+          </p:cNvSpPr>
+          <p:nvPr>
+            <p:ph type="ftr" sz="quarter" idx="11"/>
+          </p:nvPr>
+        </p:nvSpPr>
+        <p:spPr/>
+        <p:txBody>
+          <a:bodyPr/>
+          <a:lstStyle/>
+          <a:p>
+            <a:r>
+              <a:rPr lang="zh-CN" altLang="en-US" smtClean="0"/>
+              <a:t>艾格林门信息服务（大连）有限公司</a:t>
+            </a:r>
+            <a:endParaRPr lang="zh-CN" altLang="en-US"/>
+          </a:p>
+        </p:txBody>
+      </p:sp>
+      <p:sp>
+        <p:nvSpPr>
+          <p:cNvPr id="4" name="灯片编号占位符 3"/>
+          <p:cNvSpPr>
+            <a:spLocks noGrp="1"/>
+          </p:cNvSpPr>
+          <p:nvPr>
+            <p:ph type="sldNum" sz="quarter" idx="12"/>
+          </p:nvPr>
+        </p:nvSpPr>
+        <p:spPr/>
+        <p:txBody>
+          <a:bodyPr/>
+          <a:lstStyle/>
+          <a:p>
+            <a:fld id="{5B0C748D-342E-484C-99EF-D2112307895F}" type="slidenum">
+              <a:rPr lang="zh-CN" altLang="en-US" smtClean="0"/>
+              <a:pPr/>
+              <a:t>4</a:t>
+            </a:fld>
+            <a:endParaRPr lang="zh-CN" altLang="en-US"/>
+          </a:p>
+        </p:txBody>
+      </p:sp>
+      <p:sp>
+        <p:nvSpPr>
+          <p:cNvPr id="5" name="标题 4"/>
+          <p:cNvSpPr>
+            <a:spLocks noGrp="1"/>
+          </p:cNvSpPr>
+          <p:nvPr>
+            <p:ph type="title"/>
+          </p:nvPr>
+        </p:nvSpPr>
+        <p:spPr/>
+        <p:txBody>
+          <a:bodyPr/>
+          <a:lstStyle/>
+          <a:p>
+            <a:r>
+              <a:rPr lang="en-US" altLang="zh-CN" sz="4400" dirty="0" smtClean="0">
+                <a:solidFill>
+                  <a:srgbClr val="C00000"/>
+                </a:solidFill>
+                <a:effectLst/>
+              </a:rPr>
+              <a:t>P</a:t>
+            </a:r>
+            <a:r>
+              <a:rPr lang="en-US" altLang="zh-CN" sz="4400" b="0" dirty="0" smtClean="0">
+                <a:solidFill>
+                  <a:schemeClr val="tx1"/>
+                </a:solidFill>
+                <a:effectLst/>
+              </a:rPr>
+              <a:t>artner – </a:t>
+            </a:r>
+            <a:r>
+              <a:rPr lang="zh-CN" altLang="en-US" sz="4400" b="0" dirty="0" smtClean="0">
+                <a:solidFill>
+                  <a:schemeClr val="tx1"/>
+                </a:solidFill>
+                <a:effectLst/>
+              </a:rPr>
+              <a:t>合作伙伴</a:t>
+            </a:r>
+            <a:endParaRPr lang="zh-CN" altLang="en-US" dirty="0"/>
+          </a:p>
+        </p:txBody>
+      </p:sp>
+      <p:graphicFrame>
+        <p:nvGraphicFramePr>
+          <p:cNvPr id="6" name="表格 5"/>
+          <p:cNvGraphicFramePr>
+            <a:graphicFrameLocks noGrp="1"/>
+          </p:cNvGraphicFramePr>
+          <p:nvPr/>
+        </p:nvGraphicFramePr>
+        <p:xfrm>
+          <a:off x="1000100" y="2159954"/>
+          <a:ext cx="7572428" cy="2225040"/>
+        </p:xfrm>
+        <a:graphic>
+          <a:graphicData uri="http://schemas.openxmlformats.org/drawingml/2006/table">
+            <a:tbl>
+              <a:tblPr firstRow="1" bandRow="1">
+                <a:tableStyleId>{5C22544A-7EE6-4342-B048-85BDC9FD1C3A}</a:tableStyleId>
+              </a:tblPr>
+              <a:tblGrid>
+                <a:gridCol w="3786214"/>
+                <a:gridCol w="3786214"/>
+              </a:tblGrid>
+              <a:tr h="370840">
+                <a:tc>
+                  <a:txBody>
+                    <a:bodyPr/>
+                    <a:lstStyle/>
+                    <a:p>
+                      <a:pPr algn="ctr"/>
+                      <a:r>
+                        <a:rPr lang="zh-CN" altLang="en-US" dirty="0" smtClean="0"/>
+                        <a:t>分类</a:t>
+                      </a:r>
+                      <a:endParaRPr lang="zh-CN" altLang="en-US" dirty="0"/>
+                    </a:p>
+                  </a:txBody>
+                  <a:tcPr/>
+                </a:tc>
+                <a:tc>
+                  <a:txBody>
+                    <a:bodyPr/>
+                    <a:lstStyle/>
+                    <a:p>
+                      <a:endParaRPr lang="zh-CN" altLang="en-US"/>
+                    </a:p>
+                  </a:txBody>
+                  <a:tcPr/>
+                </a:tc>
+              </a:tr>
+              <a:tr h="370840">
+                <a:tc rowSpan="4">
+                  <a:txBody>
+                    <a:bodyPr/>
+                    <a:lstStyle/>
+                    <a:p>
+                      <a:pPr algn="ctr"/>
+                      <a:r>
+                        <a:rPr lang="zh-CN" altLang="en-US" dirty="0" smtClean="0"/>
+                        <a:t>商业合作伙伴</a:t>
+                      </a:r>
+                      <a:endParaRPr lang="zh-CN" altLang="en-US" dirty="0"/>
+                    </a:p>
+                  </a:txBody>
+                  <a:tcPr anchor="ctr"/>
+                </a:tc>
+                <a:tc>
+                  <a:txBody>
+                    <a:bodyPr/>
+                    <a:lstStyle/>
+                    <a:p>
+                      <a:r>
+                        <a:rPr lang="zh-CN" altLang="en-US" dirty="0" smtClean="0"/>
+                        <a:t>软件公司</a:t>
+                      </a:r>
+                      <a:endParaRPr lang="zh-CN" altLang="en-US" dirty="0"/>
+                    </a:p>
+                  </a:txBody>
+                  <a:tcPr/>
+                </a:tc>
+              </a:tr>
+              <a:tr h="370840">
+                <a:tc vMerge="1">
+                  <a:txBody>
+                    <a:bodyPr/>
+                    <a:lstStyle/>
+                    <a:p>
+                      <a:endParaRPr lang="zh-CN" altLang="en-US" dirty="0"/>
+                    </a:p>
+                  </a:txBody>
+                  <a:tcPr/>
+                </a:tc>
+                <a:tc>
+                  <a:txBody>
+                    <a:bodyPr/>
+                    <a:lstStyle/>
+                    <a:p>
+                      <a:r>
+                        <a:rPr lang="zh-CN" altLang="en-US" dirty="0" smtClean="0"/>
+                        <a:t>企业管理咨询公司</a:t>
+                      </a:r>
+                      <a:endParaRPr lang="zh-CN" altLang="en-US" dirty="0"/>
+                    </a:p>
+                  </a:txBody>
+                  <a:tcPr/>
+                </a:tc>
+              </a:tr>
+              <a:tr h="370840">
+                <a:tc vMerge="1">
+                  <a:txBody>
+                    <a:bodyPr/>
+                    <a:lstStyle/>
+                    <a:p>
+                      <a:endParaRPr lang="zh-CN" altLang="en-US" dirty="0"/>
+                    </a:p>
+                  </a:txBody>
+                  <a:tcPr/>
+                </a:tc>
+                <a:tc>
+                  <a:txBody>
+                    <a:bodyPr/>
+                    <a:lstStyle/>
+                    <a:p>
+                      <a:r>
+                        <a:rPr lang="zh-CN" altLang="en-US" dirty="0" smtClean="0"/>
+                        <a:t>会计事务所</a:t>
+                      </a:r>
+                      <a:endParaRPr lang="zh-CN" altLang="en-US" dirty="0"/>
+                    </a:p>
+                  </a:txBody>
+                  <a:tcPr/>
+                </a:tc>
+              </a:tr>
+              <a:tr h="370840">
+                <a:tc vMerge="1">
+                  <a:txBody>
+                    <a:bodyPr/>
+                    <a:lstStyle/>
+                    <a:p>
+                      <a:endParaRPr lang="zh-CN" altLang="en-US" dirty="0"/>
+                    </a:p>
+                  </a:txBody>
+                  <a:tcPr/>
+                </a:tc>
+                <a:tc>
+                  <a:txBody>
+                    <a:bodyPr/>
+                    <a:lstStyle/>
+                    <a:p>
+                      <a:r>
+                        <a:rPr lang="zh-CN" altLang="en-US" dirty="0" smtClean="0"/>
+                        <a:t>法律事务所</a:t>
+                      </a:r>
+                      <a:endParaRPr lang="zh-CN" altLang="en-US" dirty="0"/>
+                    </a:p>
+                  </a:txBody>
+                  <a:tcPr/>
+                </a:tc>
+              </a:tr>
+              <a:tr h="370840">
+                <a:tc>
+                  <a:txBody>
+                    <a:bodyPr/>
+                    <a:lstStyle/>
+                    <a:p>
+                      <a:pPr algn="ctr"/>
+                      <a:r>
+                        <a:rPr lang="zh-CN" altLang="en-US" dirty="0" smtClean="0"/>
+                        <a:t>社区合作伙伴</a:t>
+                      </a:r>
+                      <a:endParaRPr lang="zh-CN" altLang="en-US" dirty="0"/>
+                    </a:p>
+                  </a:txBody>
+                  <a:tcPr anchor="ctr"/>
+                </a:tc>
+                <a:tc>
+                  <a:txBody>
+                    <a:bodyPr/>
+                    <a:lstStyle/>
+                    <a:p>
+                      <a:r>
+                        <a:rPr lang="zh-CN" altLang="en-US" dirty="0" smtClean="0"/>
+                        <a:t>开源技术爱好者和个体创业者</a:t>
+                      </a:r>
+                      <a:endParaRPr lang="zh-CN" altLang="en-US" dirty="0"/>
+                    </a:p>
+                  </a:txBody>
+                  <a:tcPr/>
+                </a:tc>
+              </a:tr>
+            </a:tbl>
+          </a:graphicData>
+        </a:graphic>
+      </p:graphicFrame>
+      <p:sp>
+        <p:nvSpPr>
+          <p:cNvPr id="7" name="TextBox 6"/>
+          <p:cNvSpPr txBox="1"/>
+          <p:nvPr/>
+        </p:nvSpPr>
+        <p:spPr>
+          <a:xfrm>
+            <a:off x="571472" y="4586125"/>
+            <a:ext cx="8351966" cy="1200329"/>
+          </a:xfrm>
+          <a:prstGeom prst="rect">
+            <a:avLst/>
+          </a:prstGeom>
+          <a:noFill/>
+        </p:spPr>
+        <p:txBody>
+          <a:bodyPr wrap="none" rtlCol="0">
+            <a:spAutoFit/>
+          </a:bodyPr>
+          <a:lstStyle/>
+          <a:p>
+            <a:r>
+              <a:rPr lang="zh-CN" altLang="en-US" dirty="0" smtClean="0">
+                <a:solidFill>
+                  <a:schemeClr val="tx1">
+                    <a:lumMod val="65000"/>
+                    <a:lumOff val="35000"/>
+                  </a:schemeClr>
+                </a:solidFill>
+              </a:rPr>
+              <a:t>商业合作伙伴是艾格林门的最终目标客户和业务收入来源</a:t>
+            </a:r>
+            <a:endParaRPr lang="en-US" altLang="zh-CN" dirty="0" smtClean="0">
+              <a:solidFill>
+                <a:schemeClr val="tx1">
+                  <a:lumMod val="65000"/>
+                  <a:lumOff val="35000"/>
+                </a:schemeClr>
+              </a:solidFill>
+            </a:endParaRPr>
+          </a:p>
+          <a:p>
+            <a:r>
+              <a:rPr lang="zh-CN" altLang="en-US" dirty="0" smtClean="0">
+                <a:solidFill>
+                  <a:schemeClr val="tx1">
+                    <a:lumMod val="65000"/>
+                    <a:lumOff val="35000"/>
+                  </a:schemeClr>
+                </a:solidFill>
+              </a:rPr>
+              <a:t>社区合作伙伴是艾格林门的潜在客户</a:t>
+            </a:r>
+            <a:endParaRPr lang="en-US" altLang="zh-CN" dirty="0" smtClean="0">
+              <a:solidFill>
+                <a:schemeClr val="tx1">
+                  <a:lumMod val="65000"/>
+                  <a:lumOff val="35000"/>
+                </a:schemeClr>
+              </a:solidFill>
+            </a:endParaRPr>
+          </a:p>
+          <a:p>
+            <a:endParaRPr lang="en-US" altLang="zh-CN" dirty="0" smtClean="0">
+              <a:solidFill>
+                <a:schemeClr val="tx1">
+                  <a:lumMod val="65000"/>
+                  <a:lumOff val="35000"/>
+                </a:schemeClr>
+              </a:solidFill>
+            </a:endParaRPr>
+          </a:p>
+          <a:p>
+            <a:r>
+              <a:rPr lang="en-US" altLang="zh-CN" dirty="0" smtClean="0">
+                <a:solidFill>
+                  <a:schemeClr val="tx1">
+                    <a:lumMod val="65000"/>
+                    <a:lumOff val="35000"/>
+                  </a:schemeClr>
+                </a:solidFill>
+              </a:rPr>
+              <a:t>PSI</a:t>
+            </a:r>
+            <a:r>
+              <a:rPr lang="zh-CN" altLang="en-US" dirty="0" smtClean="0">
+                <a:solidFill>
+                  <a:schemeClr val="tx1">
+                    <a:lumMod val="65000"/>
+                    <a:lumOff val="35000"/>
+                  </a:schemeClr>
+                </a:solidFill>
+              </a:rPr>
+              <a:t>商业模式的核心：艾格林门不直接服务终端客户，而是交由合作伙伴来完成</a:t>
             </a:r>
             <a:endParaRPr lang="zh-CN" altLang="en-US" dirty="0">
               <a:solidFill>

--- a/doc/01 战略/PSI产品战略.pptx
+++ b/doc/01 战略/PSI产品战略.pptx
@@ -5,13 +5,14 @@
     <p:sldMasterId id="2147483828" r:id="rId1"/>
   </p:sldMasterIdLst>
   <p:notesMasterIdLst>
-    <p:notesMasterId r:id="rId6"/>
+    <p:notesMasterId r:id="rId7"/>
   </p:notesMasterIdLst>
   <p:sldIdLst>
     <p:sldId id="256" r:id="rId2"/>
     <p:sldId id="257" r:id="rId3"/>
     <p:sldId id="258" r:id="rId4"/>
     <p:sldId id="259" r:id="rId5"/>
+    <p:sldId id="260" r:id="rId6"/>
   </p:sldIdLst>
   <p:sldSz cx="9144000" cy="6858000" type="screen4x3"/>
   <p:notesSz cx="6858000" cy="9144000"/>
@@ -6625,6 +6626,441 @@
           </a:p>
         </p:txBody>
       </p:sp>
+    </p:spTree>
+  </p:cSld>
+  <p:clrMapOvr>
+    <a:masterClrMapping/>
+  </p:clrMapOvr>
+  <p:timing>
+    <p:tnLst>
+      <p:par>
+        <p:cTn id="1" dur="indefinite" restart="never" nodeType="tmRoot"/>
+      </p:par>
+    </p:tnLst>
+  </p:timing>
+</p:sld>
+</file>
+
+<file path=ppt/slides/slide5.xml><?xml version="1.0" encoding="utf-8"?>
+<p:sld xmlns:a="http://schemas.openxmlformats.org/drawingml/2006/main" xmlns:r="http://schemas.openxmlformats.org/officeDocument/2006/relationships" xmlns:p="http://schemas.openxmlformats.org/presentationml/2006/main">
+  <p:cSld>
+    <p:spTree>
+      <p:nvGrpSpPr>
+        <p:cNvPr id="1" name=""/>
+        <p:cNvGrpSpPr/>
+        <p:nvPr/>
+      </p:nvGrpSpPr>
+      <p:grpSpPr>
+        <a:xfrm>
+          <a:off x="0" y="0"/>
+          <a:ext cx="0" cy="0"/>
+          <a:chOff x="0" y="0"/>
+          <a:chExt cx="0" cy="0"/>
+        </a:xfrm>
+      </p:grpSpPr>
+      <p:sp>
+        <p:nvSpPr>
+          <p:cNvPr id="2" name="内容占位符 1"/>
+          <p:cNvSpPr>
+            <a:spLocks noGrp="1"/>
+          </p:cNvSpPr>
+          <p:nvPr>
+            <p:ph idx="1"/>
+          </p:nvPr>
+        </p:nvSpPr>
+        <p:spPr/>
+        <p:txBody>
+          <a:bodyPr/>
+          <a:lstStyle/>
+          <a:p>
+            <a:pPr lvl="0"/>
+            <a:r>
+              <a:rPr lang="en-US" altLang="zh-CN" b="1" dirty="0" smtClean="0">
+                <a:solidFill>
+                  <a:srgbClr val="C00000"/>
+                </a:solidFill>
+              </a:rPr>
+              <a:t>PSI – P</a:t>
+            </a:r>
+            <a:r>
+              <a:rPr lang="en-US" altLang="zh-CN" dirty="0" smtClean="0"/>
+              <a:t>artner, </a:t>
+            </a:r>
+            <a:r>
+              <a:rPr lang="en-US" altLang="zh-CN" b="1" dirty="0" smtClean="0">
+                <a:solidFill>
+                  <a:srgbClr val="C00000"/>
+                </a:solidFill>
+              </a:rPr>
+              <a:t>S</a:t>
+            </a:r>
+            <a:r>
+              <a:rPr lang="en-US" altLang="zh-CN" dirty="0" smtClean="0"/>
+              <a:t>olution, </a:t>
+            </a:r>
+            <a:r>
+              <a:rPr lang="en-US" b="1" dirty="0" smtClean="0">
+                <a:solidFill>
+                  <a:srgbClr val="C00000"/>
+                </a:solidFill>
+              </a:rPr>
+              <a:t>I</a:t>
+            </a:r>
+            <a:r>
+              <a:rPr lang="en-US" dirty="0" smtClean="0"/>
+              <a:t>nfrastructure</a:t>
+            </a:r>
+          </a:p>
+          <a:p>
+            <a:pPr>
+              <a:buNone/>
+            </a:pPr>
+            <a:r>
+              <a:rPr lang="en-US" altLang="zh-CN" dirty="0" smtClean="0">
+                <a:solidFill>
+                  <a:schemeClr val="dk1"/>
+                </a:solidFill>
+              </a:rPr>
+              <a:t>	</a:t>
+            </a:r>
+            <a:r>
+              <a:rPr lang="zh-CN" altLang="en-US" dirty="0" smtClean="0">
+                <a:solidFill>
+                  <a:schemeClr val="dk1"/>
+                </a:solidFill>
+              </a:rPr>
+              <a:t>咨询</a:t>
+            </a:r>
+            <a:r>
+              <a:rPr lang="zh-CN" altLang="en-US" dirty="0" smtClean="0">
+                <a:solidFill>
+                  <a:schemeClr val="dk1"/>
+                </a:solidFill>
+              </a:rPr>
+              <a:t>、研发、实施、运维、法务一体化的</a:t>
+            </a:r>
+            <a:r>
+              <a:rPr lang="zh-CN" altLang="en-US" dirty="0" smtClean="0">
+                <a:solidFill>
+                  <a:schemeClr val="dk1"/>
+                </a:solidFill>
+              </a:rPr>
+              <a:t>企业管理全面</a:t>
+            </a:r>
+            <a:r>
+              <a:rPr lang="zh-CN" altLang="en-US" dirty="0" smtClean="0">
+                <a:solidFill>
+                  <a:schemeClr val="dk1"/>
+                </a:solidFill>
+              </a:rPr>
+              <a:t>解决方案</a:t>
+            </a:r>
+            <a:endParaRPr lang="zh-CN" altLang="en-US" dirty="0" smtClean="0"/>
+          </a:p>
+          <a:p>
+            <a:pPr lvl="0"/>
+            <a:endParaRPr lang="en-US" dirty="0" smtClean="0"/>
+          </a:p>
+          <a:p>
+            <a:endParaRPr lang="zh-CN" altLang="en-US" dirty="0"/>
+          </a:p>
+        </p:txBody>
+      </p:sp>
+      <p:sp>
+        <p:nvSpPr>
+          <p:cNvPr id="3" name="页脚占位符 2"/>
+          <p:cNvSpPr>
+            <a:spLocks noGrp="1"/>
+          </p:cNvSpPr>
+          <p:nvPr>
+            <p:ph type="ftr" sz="quarter" idx="11"/>
+          </p:nvPr>
+        </p:nvSpPr>
+        <p:spPr/>
+        <p:txBody>
+          <a:bodyPr/>
+          <a:lstStyle/>
+          <a:p>
+            <a:r>
+              <a:rPr lang="zh-CN" altLang="en-US" smtClean="0"/>
+              <a:t>艾格林门信息服务（大连）有限公司</a:t>
+            </a:r>
+            <a:endParaRPr lang="zh-CN" altLang="en-US"/>
+          </a:p>
+        </p:txBody>
+      </p:sp>
+      <p:sp>
+        <p:nvSpPr>
+          <p:cNvPr id="4" name="灯片编号占位符 3"/>
+          <p:cNvSpPr>
+            <a:spLocks noGrp="1"/>
+          </p:cNvSpPr>
+          <p:nvPr>
+            <p:ph type="sldNum" sz="quarter" idx="12"/>
+          </p:nvPr>
+        </p:nvSpPr>
+        <p:spPr/>
+        <p:txBody>
+          <a:bodyPr/>
+          <a:lstStyle/>
+          <a:p>
+            <a:fld id="{5B0C748D-342E-484C-99EF-D2112307895F}" type="slidenum">
+              <a:rPr lang="zh-CN" altLang="en-US" smtClean="0"/>
+              <a:pPr/>
+              <a:t>5</a:t>
+            </a:fld>
+            <a:endParaRPr lang="zh-CN" altLang="en-US"/>
+          </a:p>
+        </p:txBody>
+      </p:sp>
+      <p:sp>
+        <p:nvSpPr>
+          <p:cNvPr id="5" name="标题 4"/>
+          <p:cNvSpPr>
+            <a:spLocks noGrp="1"/>
+          </p:cNvSpPr>
+          <p:nvPr>
+            <p:ph type="title"/>
+          </p:nvPr>
+        </p:nvSpPr>
+        <p:spPr/>
+        <p:txBody>
+          <a:bodyPr/>
+          <a:lstStyle/>
+          <a:p>
+            <a:r>
+              <a:rPr lang="en-US" altLang="zh-CN" dirty="0" smtClean="0">
+                <a:solidFill>
+                  <a:srgbClr val="C00000"/>
+                </a:solidFill>
+              </a:rPr>
+              <a:t>S</a:t>
+            </a:r>
+            <a:r>
+              <a:rPr lang="en-US" altLang="zh-CN" dirty="0" smtClean="0"/>
+              <a:t>olution – </a:t>
+            </a:r>
+            <a:r>
+              <a:rPr lang="zh-CN" altLang="en-US" dirty="0" smtClean="0"/>
+              <a:t>解决方案</a:t>
+            </a:r>
+            <a:endParaRPr lang="zh-CN" altLang="en-US" dirty="0"/>
+          </a:p>
+        </p:txBody>
+      </p:sp>
+      <p:graphicFrame>
+        <p:nvGraphicFramePr>
+          <p:cNvPr id="6" name="表格 5"/>
+          <p:cNvGraphicFramePr>
+            <a:graphicFrameLocks noGrp="1"/>
+          </p:cNvGraphicFramePr>
+          <p:nvPr/>
+        </p:nvGraphicFramePr>
+        <p:xfrm>
+          <a:off x="1071538" y="2928934"/>
+          <a:ext cx="7500990" cy="2225040"/>
+        </p:xfrm>
+        <a:graphic>
+          <a:graphicData uri="http://schemas.openxmlformats.org/drawingml/2006/table">
+            <a:tbl>
+              <a:tblPr firstRow="1" bandRow="1">
+                <a:tableStyleId>{5C22544A-7EE6-4342-B048-85BDC9FD1C3A}</a:tableStyleId>
+              </a:tblPr>
+              <a:tblGrid>
+                <a:gridCol w="1406445"/>
+                <a:gridCol w="6094545"/>
+              </a:tblGrid>
+              <a:tr h="370840">
+                <a:tc>
+                  <a:txBody>
+                    <a:bodyPr/>
+                    <a:lstStyle/>
+                    <a:p>
+                      <a:pPr algn="ctr"/>
+                      <a:r>
+                        <a:rPr lang="zh-CN" altLang="en-US" dirty="0" smtClean="0"/>
+                        <a:t>阶段</a:t>
+                      </a:r>
+                      <a:endParaRPr lang="zh-CN" altLang="en-US" dirty="0"/>
+                    </a:p>
+                  </a:txBody>
+                  <a:tcPr/>
+                </a:tc>
+                <a:tc>
+                  <a:txBody>
+                    <a:bodyPr/>
+                    <a:lstStyle/>
+                    <a:p>
+                      <a:pPr algn="ctr"/>
+                      <a:r>
+                        <a:rPr lang="zh-CN" altLang="en-US" dirty="0" smtClean="0"/>
+                        <a:t>合作伙伴</a:t>
+                      </a:r>
+                      <a:endParaRPr lang="zh-CN" altLang="en-US" dirty="0"/>
+                    </a:p>
+                  </a:txBody>
+                  <a:tcPr/>
+                </a:tc>
+              </a:tr>
+              <a:tr h="370840">
+                <a:tc>
+                  <a:txBody>
+                    <a:bodyPr/>
+                    <a:lstStyle/>
+                    <a:p>
+                      <a:pPr algn="ctr"/>
+                      <a:r>
+                        <a:rPr lang="zh-CN" altLang="en-US" dirty="0" smtClean="0"/>
+                        <a:t>咨询</a:t>
+                      </a:r>
+                      <a:endParaRPr lang="zh-CN" altLang="en-US" dirty="0"/>
+                    </a:p>
+                  </a:txBody>
+                  <a:tcPr/>
+                </a:tc>
+                <a:tc>
+                  <a:txBody>
+                    <a:bodyPr/>
+                    <a:lstStyle/>
+                    <a:p>
+                      <a:r>
+                        <a:rPr lang="zh-CN" altLang="en-US" dirty="0" smtClean="0"/>
+                        <a:t>企业管理咨询公司、会计事务所</a:t>
+                      </a:r>
+                      <a:endParaRPr lang="zh-CN" altLang="en-US" dirty="0"/>
+                    </a:p>
+                  </a:txBody>
+                  <a:tcPr/>
+                </a:tc>
+              </a:tr>
+              <a:tr h="370840">
+                <a:tc>
+                  <a:txBody>
+                    <a:bodyPr/>
+                    <a:lstStyle/>
+                    <a:p>
+                      <a:pPr algn="ctr"/>
+                      <a:r>
+                        <a:rPr lang="zh-CN" altLang="en-US" dirty="0" smtClean="0"/>
+                        <a:t>研发</a:t>
+                      </a:r>
+                      <a:endParaRPr lang="zh-CN" altLang="en-US" dirty="0"/>
+                    </a:p>
+                  </a:txBody>
+                  <a:tcPr/>
+                </a:tc>
+                <a:tc>
+                  <a:txBody>
+                    <a:bodyPr/>
+                    <a:lstStyle/>
+                    <a:p>
+                      <a:r>
+                        <a:rPr lang="zh-CN" altLang="en-US" dirty="0" smtClean="0"/>
+                        <a:t>软件公司</a:t>
+                      </a:r>
+                      <a:endParaRPr lang="zh-CN" altLang="en-US" dirty="0"/>
+                    </a:p>
+                  </a:txBody>
+                  <a:tcPr/>
+                </a:tc>
+              </a:tr>
+              <a:tr h="370840">
+                <a:tc>
+                  <a:txBody>
+                    <a:bodyPr/>
+                    <a:lstStyle/>
+                    <a:p>
+                      <a:pPr algn="ctr"/>
+                      <a:r>
+                        <a:rPr lang="zh-CN" altLang="en-US" dirty="0" smtClean="0"/>
+                        <a:t>实施</a:t>
+                      </a:r>
+                      <a:endParaRPr lang="zh-CN" altLang="en-US" dirty="0"/>
+                    </a:p>
+                  </a:txBody>
+                  <a:tcPr/>
+                </a:tc>
+                <a:tc>
+                  <a:txBody>
+                    <a:bodyPr/>
+                    <a:lstStyle/>
+                    <a:p>
+                      <a:r>
+                        <a:rPr lang="zh-CN" altLang="en-US" dirty="0" smtClean="0"/>
+                        <a:t>软件公司</a:t>
+                      </a:r>
+                      <a:endParaRPr lang="zh-CN" altLang="en-US" dirty="0"/>
+                    </a:p>
+                  </a:txBody>
+                  <a:tcPr/>
+                </a:tc>
+              </a:tr>
+              <a:tr h="370840">
+                <a:tc>
+                  <a:txBody>
+                    <a:bodyPr/>
+                    <a:lstStyle/>
+                    <a:p>
+                      <a:pPr algn="ctr"/>
+                      <a:r>
+                        <a:rPr lang="zh-CN" altLang="en-US" dirty="0" smtClean="0"/>
+                        <a:t>运维</a:t>
+                      </a:r>
+                      <a:endParaRPr lang="zh-CN" altLang="en-US" dirty="0"/>
+                    </a:p>
+                  </a:txBody>
+                  <a:tcPr/>
+                </a:tc>
+                <a:tc>
+                  <a:txBody>
+                    <a:bodyPr/>
+                    <a:lstStyle/>
+                    <a:p>
+                      <a:r>
+                        <a:rPr lang="zh-CN" altLang="en-US" dirty="0" smtClean="0"/>
+                        <a:t>软件公司</a:t>
+                      </a:r>
+                      <a:endParaRPr lang="zh-CN" altLang="en-US" dirty="0"/>
+                    </a:p>
+                  </a:txBody>
+                  <a:tcPr/>
+                </a:tc>
+              </a:tr>
+              <a:tr h="370840">
+                <a:tc>
+                  <a:txBody>
+                    <a:bodyPr/>
+                    <a:lstStyle/>
+                    <a:p>
+                      <a:pPr algn="ctr"/>
+                      <a:r>
+                        <a:rPr lang="zh-CN" altLang="en-US" dirty="0" smtClean="0"/>
+                        <a:t>法务</a:t>
+                      </a:r>
+                      <a:endParaRPr lang="zh-CN" altLang="en-US" dirty="0"/>
+                    </a:p>
+                  </a:txBody>
+                  <a:tcPr/>
+                </a:tc>
+                <a:tc>
+                  <a:txBody>
+                    <a:bodyPr/>
+                    <a:lstStyle/>
+                    <a:p>
+                      <a:r>
+                        <a:rPr lang="zh-CN" altLang="en-US" dirty="0" smtClean="0"/>
+                        <a:t>律师事务所</a:t>
+                      </a:r>
+                      <a:endParaRPr lang="zh-CN" altLang="en-US" dirty="0"/>
+                    </a:p>
+                  </a:txBody>
+                  <a:tcPr/>
+                </a:tc>
+              </a:tr>
+            </a:tbl>
+          </a:graphicData>
+        </a:graphic>
+      </p:graphicFrame>
     </p:spTree>
   </p:cSld>
   <p:clrMapOvr>

--- a/doc/01 战略/PSI产品战略.pptx
+++ b/doc/01 战略/PSI产品战略.pptx
@@ -6190,7 +6190,9 @@
           <a:bodyPr/>
           <a:lstStyle/>
           <a:p>
-            <a:pPr lvl="0"/>
+            <a:pPr lvl="0">
+              <a:buNone/>
+            </a:pPr>
             <a:r>
               <a:rPr lang="en-US" altLang="zh-CN" b="1" dirty="0" smtClean="0">
                 <a:solidFill>
@@ -6673,7 +6675,9 @@
           <a:bodyPr/>
           <a:lstStyle/>
           <a:p>
-            <a:pPr lvl="0"/>
+            <a:pPr lvl="0">
+              <a:buNone/>
+            </a:pPr>
             <a:r>
               <a:rPr lang="en-US" altLang="zh-CN" b="1" dirty="0" smtClean="0">
                 <a:solidFill>
@@ -6729,31 +6733,7 @@
                   <a:schemeClr val="dk1"/>
                 </a:solidFill>
               </a:rPr>
-              <a:t>咨询</a:t>
-            </a:r>
-            <a:r>
-              <a:rPr lang="zh-CN" altLang="en-US" dirty="0" smtClean="0">
-                <a:solidFill>
-                  <a:schemeClr val="dk1"/>
-                </a:solidFill>
-              </a:rPr>
-              <a:t>、研发、实施、运维、法务一体化的</a:t>
-            </a:r>
-            <a:r>
-              <a:rPr lang="zh-CN" altLang="en-US" dirty="0" smtClean="0">
-                <a:solidFill>
-                  <a:schemeClr val="dk1"/>
-                </a:solidFill>
-              </a:rPr>
-              <a:t>企业管理全面</a:t>
-            </a:r>
-            <a:r>
-              <a:rPr lang="zh-CN" altLang="en-US" dirty="0" smtClean="0">
-                <a:solidFill>
-                  <a:schemeClr val="dk1"/>
-                </a:solidFill>
-              </a:rPr>
-              <a:t>解决方案</a:t>
+              <a:t>咨询、研发、实施、运维、法务一体化的企业管理全面解决方案</a:t>
             </a:r>
             <a:endParaRPr lang="zh-CN" altLang="en-US" dirty="0" smtClean="0"/>
           </a:p>

--- a/doc/01 战略/PSI产品战略.pptx
+++ b/doc/01 战略/PSI产品战略.pptx
@@ -5655,7 +5655,7 @@
           </p:nvPr>
         </p:nvGraphicFramePr>
         <p:xfrm>
-          <a:off x="642910" y="2428868"/>
+          <a:off x="742952" y="2000240"/>
           <a:ext cx="8043890" cy="2021840"/>
         </p:xfrm>
         <a:graphic>
@@ -6107,7 +6107,7 @@
         </p:nvSpPr>
         <p:spPr>
           <a:xfrm>
-            <a:off x="714348" y="4929198"/>
+            <a:off x="714348" y="4286256"/>
             <a:ext cx="3877985" cy="369332"/>
           </a:xfrm>
           <a:prstGeom prst="rect">
@@ -6337,7 +6337,7 @@
           <p:nvPr/>
         </p:nvGraphicFramePr>
         <p:xfrm>
-          <a:off x="1000100" y="2159954"/>
+          <a:off x="714348" y="2000240"/>
           <a:ext cx="7572428" cy="2225040"/>
         </p:xfrm>
         <a:graphic>
@@ -6716,26 +6716,26 @@
             </a:r>
           </a:p>
           <a:p>
-            <a:pPr>
+            <a:pPr lvl="0">
               <a:buNone/>
             </a:pPr>
             <a:r>
-              <a:rPr lang="en-US" altLang="zh-CN" dirty="0" smtClean="0">
+              <a:rPr lang="zh-CN" altLang="en-US" sz="2000" dirty="0" smtClean="0">
                 <a:solidFill>
                   <a:schemeClr val="dk1"/>
                 </a:solidFill>
               </a:rPr>
-              <a:t>	</a:t>
-            </a:r>
-            <a:r>
-              <a:rPr lang="zh-CN" altLang="en-US" dirty="0" smtClean="0">
+              <a:t>咨询</a:t>
+            </a:r>
+            <a:r>
+              <a:rPr lang="zh-CN" altLang="en-US" sz="2000" dirty="0" smtClean="0">
                 <a:solidFill>
                   <a:schemeClr val="dk1"/>
                 </a:solidFill>
               </a:rPr>
-              <a:t>咨询、研发、实施、运维、法务一体化的企业管理全面解决方案</a:t>
-            </a:r>
-            <a:endParaRPr lang="zh-CN" altLang="en-US" dirty="0" smtClean="0"/>
+              <a:t>、研发、实施、运维、法务一体化的企业管理全面解决方案</a:t>
+            </a:r>
+            <a:endParaRPr lang="zh-CN" altLang="en-US" sz="2000" dirty="0" smtClean="0"/>
           </a:p>
           <a:p>
             <a:pPr lvl="0"/>
@@ -6837,7 +6837,7 @@
           <p:nvPr/>
         </p:nvGraphicFramePr>
         <p:xfrm>
-          <a:off x="1071538" y="2928934"/>
+          <a:off x="714348" y="2428868"/>
           <a:ext cx="7500990" cy="2225040"/>
         </p:xfrm>
         <a:graphic>

--- a/doc/01 战略/PSI产品战略.pptx
+++ b/doc/01 战略/PSI产品战略.pptx
@@ -6714,27 +6714,6 @@
               <a:rPr lang="en-US" dirty="0" smtClean="0"/>
               <a:t>nfrastructure</a:t>
             </a:r>
-          </a:p>
-          <a:p>
-            <a:pPr lvl="0">
-              <a:buNone/>
-            </a:pPr>
-            <a:r>
-              <a:rPr lang="zh-CN" altLang="en-US" sz="2000" dirty="0" smtClean="0">
-                <a:solidFill>
-                  <a:schemeClr val="dk1"/>
-                </a:solidFill>
-              </a:rPr>
-              <a:t>咨询</a:t>
-            </a:r>
-            <a:r>
-              <a:rPr lang="zh-CN" altLang="en-US" sz="2000" dirty="0" smtClean="0">
-                <a:solidFill>
-                  <a:schemeClr val="dk1"/>
-                </a:solidFill>
-              </a:rPr>
-              <a:t>、研发、实施、运维、法务一体化的企业管理全面解决方案</a:t>
-            </a:r>
             <a:endParaRPr lang="zh-CN" altLang="en-US" sz="2000" dirty="0" smtClean="0"/>
           </a:p>
           <a:p>
@@ -6837,7 +6816,7 @@
           <p:nvPr/>
         </p:nvGraphicFramePr>
         <p:xfrm>
-          <a:off x="714348" y="2428868"/>
+          <a:off x="714348" y="2000240"/>
           <a:ext cx="7500990" cy="2225040"/>
         </p:xfrm>
         <a:graphic>
@@ -6847,8 +6826,9 @@
                 <a:tableStyleId>{5C22544A-7EE6-4342-B048-85BDC9FD1C3A}</a:tableStyleId>
               </a:tblPr>
               <a:tblGrid>
-                <a:gridCol w="1406445"/>
-                <a:gridCol w="6094545"/>
+                <a:gridCol w="775970"/>
+                <a:gridCol w="4510442"/>
+                <a:gridCol w="2214578"/>
               </a:tblGrid>
               <a:tr h="370840">
                 <a:tc>
@@ -6881,6 +6861,17 @@
                   </a:txBody>
                   <a:tcPr/>
                 </a:tc>
+                <a:tc>
+                  <a:txBody>
+                    <a:bodyPr/>
+                    <a:lstStyle/>
+                    <a:p>
+                      <a:pPr algn="ctr"/>
+                      <a:endParaRPr lang="zh-CN" altLang="en-US" dirty="0"/>
+                    </a:p>
+                  </a:txBody>
+                  <a:tcPr/>
+                </a:tc>
               </a:tr>
               <a:tr h="370840">
                 <a:tc>
@@ -6906,6 +6897,20 @@
                       <a:r>
                         <a:rPr lang="zh-CN" altLang="en-US" dirty="0" smtClean="0"/>
                         <a:t>企业管理咨询公司、会计事务所</a:t>
+                      </a:r>
+                      <a:endParaRPr lang="zh-CN" altLang="en-US" dirty="0"/>
+                    </a:p>
+                  </a:txBody>
+                  <a:tcPr/>
+                </a:tc>
+                <a:tc>
+                  <a:txBody>
+                    <a:bodyPr/>
+                    <a:lstStyle/>
+                    <a:p>
+                      <a:r>
+                        <a:rPr lang="zh-CN" altLang="en-US" dirty="0" smtClean="0"/>
+                        <a:t>业务</a:t>
                       </a:r>
                       <a:endParaRPr lang="zh-CN" altLang="en-US" dirty="0"/>
                     </a:p>
@@ -6943,6 +6948,20 @@
                   </a:txBody>
                   <a:tcPr/>
                 </a:tc>
+                <a:tc>
+                  <a:txBody>
+                    <a:bodyPr/>
+                    <a:lstStyle/>
+                    <a:p>
+                      <a:r>
+                        <a:rPr lang="zh-CN" altLang="en-US" dirty="0" smtClean="0"/>
+                        <a:t>技术</a:t>
+                      </a:r>
+                      <a:endParaRPr lang="zh-CN" altLang="en-US" dirty="0"/>
+                    </a:p>
+                  </a:txBody>
+                  <a:tcPr/>
+                </a:tc>
               </a:tr>
               <a:tr h="370840">
                 <a:tc>
@@ -6968,6 +6987,20 @@
                       <a:r>
                         <a:rPr lang="zh-CN" altLang="en-US" dirty="0" smtClean="0"/>
                         <a:t>软件公司</a:t>
+                      </a:r>
+                      <a:endParaRPr lang="zh-CN" altLang="en-US" dirty="0"/>
+                    </a:p>
+                  </a:txBody>
+                  <a:tcPr/>
+                </a:tc>
+                <a:tc>
+                  <a:txBody>
+                    <a:bodyPr/>
+                    <a:lstStyle/>
+                    <a:p>
+                      <a:r>
+                        <a:rPr lang="zh-CN" altLang="en-US" dirty="0" smtClean="0"/>
+                        <a:t>技术</a:t>
                       </a:r>
                       <a:endParaRPr lang="zh-CN" altLang="en-US" dirty="0"/>
                     </a:p>
@@ -7005,6 +7038,20 @@
                   </a:txBody>
                   <a:tcPr/>
                 </a:tc>
+                <a:tc>
+                  <a:txBody>
+                    <a:bodyPr/>
+                    <a:lstStyle/>
+                    <a:p>
+                      <a:r>
+                        <a:rPr lang="zh-CN" altLang="en-US" dirty="0" smtClean="0"/>
+                        <a:t>技术</a:t>
+                      </a:r>
+                      <a:endParaRPr lang="zh-CN" altLang="en-US" dirty="0"/>
+                    </a:p>
+                  </a:txBody>
+                  <a:tcPr/>
+                </a:tc>
               </a:tr>
               <a:tr h="370840">
                 <a:tc>
@@ -7036,11 +7083,113 @@
                   </a:txBody>
                   <a:tcPr/>
                 </a:tc>
+                <a:tc>
+                  <a:txBody>
+                    <a:bodyPr/>
+                    <a:lstStyle/>
+                    <a:p>
+                      <a:r>
+                        <a:rPr lang="zh-CN" altLang="en-US" dirty="0" smtClean="0"/>
+                        <a:t>合规</a:t>
+                      </a:r>
+                      <a:endParaRPr lang="zh-CN" altLang="en-US" dirty="0"/>
+                    </a:p>
+                  </a:txBody>
+                  <a:tcPr/>
+                </a:tc>
               </a:tr>
             </a:tbl>
           </a:graphicData>
         </a:graphic>
       </p:graphicFrame>
+      <p:sp>
+        <p:nvSpPr>
+          <p:cNvPr id="7" name="TextBox 6"/>
+          <p:cNvSpPr txBox="1"/>
+          <p:nvPr/>
+        </p:nvSpPr>
+        <p:spPr>
+          <a:xfrm>
+            <a:off x="714348" y="4429132"/>
+            <a:ext cx="7500990" cy="646331"/>
+          </a:xfrm>
+          <a:prstGeom prst="rect">
+            <a:avLst/>
+          </a:prstGeom>
+          <a:noFill/>
+        </p:spPr>
+        <p:txBody>
+          <a:bodyPr wrap="square" rtlCol="0">
+            <a:spAutoFit/>
+          </a:bodyPr>
+          <a:lstStyle/>
+          <a:p>
+            <a:r>
+              <a:rPr lang="zh-CN" altLang="en-US" dirty="0" smtClean="0">
+                <a:solidFill>
+                  <a:schemeClr val="tx1">
+                    <a:lumMod val="65000"/>
+                    <a:lumOff val="35000"/>
+                  </a:schemeClr>
+                </a:solidFill>
+              </a:rPr>
+              <a:t>解决方案是最终的交付物，包括了：咨询方案、业务方案、法务合规方案、</a:t>
+            </a:r>
+            <a:r>
+              <a:rPr lang="en-US" altLang="zh-CN" dirty="0" smtClean="0">
+                <a:solidFill>
+                  <a:schemeClr val="tx1">
+                    <a:lumMod val="65000"/>
+                    <a:lumOff val="35000"/>
+                  </a:schemeClr>
+                </a:solidFill>
+              </a:rPr>
+              <a:t>ERP</a:t>
+            </a:r>
+            <a:r>
+              <a:rPr lang="zh-CN" altLang="en-US" dirty="0" smtClean="0">
+                <a:solidFill>
+                  <a:schemeClr val="tx1">
+                    <a:lumMod val="65000"/>
+                    <a:lumOff val="35000"/>
+                  </a:schemeClr>
+                </a:solidFill>
+              </a:rPr>
+              <a:t>软件系统，并通过</a:t>
+            </a:r>
+            <a:r>
+              <a:rPr lang="en-US" altLang="zh-CN" dirty="0" smtClean="0">
+                <a:solidFill>
+                  <a:schemeClr val="tx1">
+                    <a:lumMod val="65000"/>
+                    <a:lumOff val="35000"/>
+                  </a:schemeClr>
+                </a:solidFill>
+              </a:rPr>
+              <a:t>ERP</a:t>
+            </a:r>
+            <a:r>
+              <a:rPr lang="zh-CN" altLang="en-US" dirty="0" smtClean="0">
+                <a:solidFill>
+                  <a:schemeClr val="tx1">
+                    <a:lumMod val="65000"/>
+                    <a:lumOff val="35000"/>
+                  </a:schemeClr>
+                </a:solidFill>
+              </a:rPr>
+              <a:t>软件保证各个方案的落地</a:t>
+            </a:r>
+            <a:endParaRPr lang="zh-CN" altLang="en-US" dirty="0">
+              <a:solidFill>
+                <a:schemeClr val="tx1">
+                  <a:lumMod val="65000"/>
+                  <a:lumOff val="35000"/>
+                </a:schemeClr>
+              </a:solidFill>
+            </a:endParaRPr>
+          </a:p>
+        </p:txBody>
+      </p:sp>
     </p:spTree>
   </p:cSld>
   <p:clrMapOvr>

--- a/doc/01 战略/PSI产品战略.pptx
+++ b/doc/01 战略/PSI产品战略.pptx
@@ -6817,7 +6817,7 @@
         </p:nvGraphicFramePr>
         <p:xfrm>
           <a:off x="714348" y="2000240"/>
-          <a:ext cx="7500990" cy="2225040"/>
+          <a:ext cx="7500990" cy="2494280"/>
         </p:xfrm>
         <a:graphic>
           <a:graphicData uri="http://schemas.openxmlformats.org/drawingml/2006/table">
@@ -6827,8 +6827,8 @@
               </a:tblPr>
               <a:tblGrid>
                 <a:gridCol w="775970"/>
-                <a:gridCol w="4510442"/>
-                <a:gridCol w="2214578"/>
+                <a:gridCol w="3581748"/>
+                <a:gridCol w="3143272"/>
               </a:tblGrid>
               <a:tr h="370840">
                 <a:tc>
@@ -6867,6 +6867,10 @@
                     <a:lstStyle/>
                     <a:p>
                       <a:pPr algn="ctr"/>
+                      <a:r>
+                        <a:rPr lang="zh-CN" altLang="en-US" dirty="0" smtClean="0"/>
+                        <a:t>产出</a:t>
+                      </a:r>
                       <a:endParaRPr lang="zh-CN" altLang="en-US" dirty="0"/>
                     </a:p>
                   </a:txBody>
@@ -6910,7 +6914,7 @@
                     <a:p>
                       <a:r>
                         <a:rPr lang="zh-CN" altLang="en-US" dirty="0" smtClean="0"/>
-                        <a:t>业务</a:t>
+                        <a:t>咨询方案、业务优化方案</a:t>
                       </a:r>
                       <a:endParaRPr lang="zh-CN" altLang="en-US" dirty="0"/>
                     </a:p>
@@ -6954,8 +6958,12 @@
                     <a:lstStyle/>
                     <a:p>
                       <a:r>
+                        <a:rPr lang="en-US" altLang="zh-CN" dirty="0" smtClean="0"/>
+                        <a:t>ERP</a:t>
+                      </a:r>
+                      <a:r>
                         <a:rPr lang="zh-CN" altLang="en-US" dirty="0" smtClean="0"/>
-                        <a:t>技术</a:t>
+                        <a:t>软件系统</a:t>
                       </a:r>
                       <a:endParaRPr lang="zh-CN" altLang="en-US" dirty="0"/>
                     </a:p>
@@ -6999,8 +7007,12 @@
                     <a:lstStyle/>
                     <a:p>
                       <a:r>
+                        <a:rPr lang="en-US" altLang="zh-CN" dirty="0" smtClean="0"/>
+                        <a:t>ERP</a:t>
+                      </a:r>
+                      <a:r>
                         <a:rPr lang="zh-CN" altLang="en-US" dirty="0" smtClean="0"/>
-                        <a:t>技术</a:t>
+                        <a:t>实施方案</a:t>
                       </a:r>
                       <a:endParaRPr lang="zh-CN" altLang="en-US" dirty="0"/>
                     </a:p>
@@ -7044,8 +7056,12 @@
                     <a:lstStyle/>
                     <a:p>
                       <a:r>
+                        <a:rPr lang="en-US" altLang="zh-CN" dirty="0" smtClean="0"/>
+                        <a:t>PSI</a:t>
+                      </a:r>
+                      <a:r>
                         <a:rPr lang="zh-CN" altLang="en-US" dirty="0" smtClean="0"/>
-                        <a:t>技术</a:t>
+                        <a:t>云平台、企业自建云</a:t>
                       </a:r>
                       <a:endParaRPr lang="zh-CN" altLang="en-US" dirty="0"/>
                     </a:p>
@@ -7090,7 +7106,15 @@
                     <a:p>
                       <a:r>
                         <a:rPr lang="zh-CN" altLang="en-US" dirty="0" smtClean="0"/>
-                        <a:t>合规</a:t>
+                        <a:t>法务合规方案，由</a:t>
+                      </a:r>
+                      <a:r>
+                        <a:rPr lang="en-US" altLang="zh-CN" dirty="0" smtClean="0"/>
+                        <a:t>WAICES®</a:t>
+                      </a:r>
+                      <a:r>
+                        <a:rPr lang="zh-CN" altLang="en-US" dirty="0" smtClean="0"/>
+                        <a:t>提供支持</a:t>
                       </a:r>
                       <a:endParaRPr lang="zh-CN" altLang="en-US" dirty="0"/>
                     </a:p>
@@ -7110,8 +7134,8 @@
         </p:nvSpPr>
         <p:spPr>
           <a:xfrm>
-            <a:off x="714348" y="4429132"/>
-            <a:ext cx="7500990" cy="646331"/>
+            <a:off x="714348" y="4640057"/>
+            <a:ext cx="7500990" cy="923330"/>
           </a:xfrm>
           <a:prstGeom prst="rect">
             <a:avLst/>
@@ -7133,7 +7157,29 @@
                   </a:schemeClr>
                 </a:solidFill>
               </a:rPr>
-              <a:t>解决方案是最终的交付物，包括了：咨询方案、业务方案、法务合规方案、</a:t>
+              <a:t>解决方案是最终的交付物，包括了：咨询方案、</a:t>
+            </a:r>
+            <a:r>
+              <a:rPr lang="zh-CN" altLang="en-US" dirty="0" smtClean="0">
+                <a:solidFill>
+                  <a:schemeClr val="tx1">
+                    <a:lumMod val="65000"/>
+                    <a:lumOff val="35000"/>
+                  </a:schemeClr>
+                </a:solidFill>
+              </a:rPr>
+              <a:t>业务优化方案</a:t>
+            </a:r>
+            <a:r>
+              <a:rPr lang="zh-CN" altLang="en-US" dirty="0" smtClean="0">
+                <a:solidFill>
+                  <a:schemeClr val="tx1">
+                    <a:lumMod val="65000"/>
+                    <a:lumOff val="35000"/>
+                  </a:schemeClr>
+                </a:solidFill>
+              </a:rPr>
+              <a:t>、法务合规方案、</a:t>
             </a:r>
             <a:r>
               <a:rPr lang="en-US" altLang="zh-CN" dirty="0" smtClean="0">
@@ -7155,7 +7201,18 @@
                   </a:schemeClr>
                 </a:solidFill>
               </a:rPr>
-              <a:t>软件系统，并通过</a:t>
+              <a:t>软件</a:t>
+            </a:r>
+            <a:r>
+              <a:rPr lang="zh-CN" altLang="en-US" dirty="0" smtClean="0">
+                <a:solidFill>
+                  <a:schemeClr val="tx1">
+                    <a:lumMod val="65000"/>
+                    <a:lumOff val="35000"/>
+                  </a:schemeClr>
+                </a:solidFill>
+              </a:rPr>
+              <a:t>系统和</a:t>
             </a:r>
             <a:r>
               <a:rPr lang="en-US" altLang="zh-CN" dirty="0" smtClean="0">
@@ -7177,7 +7234,51 @@
                   </a:schemeClr>
                 </a:solidFill>
               </a:rPr>
-              <a:t>软件保证各个方案的落地</a:t>
+              <a:t>实施方案，</a:t>
+            </a:r>
+            <a:r>
+              <a:rPr lang="zh-CN" altLang="en-US" dirty="0" smtClean="0">
+                <a:solidFill>
+                  <a:schemeClr val="tx1">
+                    <a:lumMod val="65000"/>
+                    <a:lumOff val="35000"/>
+                  </a:schemeClr>
+                </a:solidFill>
+              </a:rPr>
+              <a:t>并通过</a:t>
+            </a:r>
+            <a:r>
+              <a:rPr lang="en-US" altLang="zh-CN" dirty="0" smtClean="0">
+                <a:solidFill>
+                  <a:schemeClr val="tx1">
+                    <a:lumMod val="65000"/>
+                    <a:lumOff val="35000"/>
+                  </a:schemeClr>
+                </a:solidFill>
+              </a:rPr>
+              <a:t>ERP</a:t>
+            </a:r>
+            <a:r>
+              <a:rPr lang="zh-CN" altLang="en-US" dirty="0" smtClean="0">
+                <a:solidFill>
+                  <a:schemeClr val="tx1">
+                    <a:lumMod val="65000"/>
+                    <a:lumOff val="35000"/>
+                  </a:schemeClr>
+                </a:solidFill>
+              </a:rPr>
+              <a:t>软件系统保证</a:t>
+            </a:r>
+            <a:r>
+              <a:rPr lang="zh-CN" altLang="en-US" dirty="0" smtClean="0">
+                <a:solidFill>
+                  <a:schemeClr val="tx1">
+                    <a:lumMod val="65000"/>
+                    <a:lumOff val="35000"/>
+                  </a:schemeClr>
+                </a:solidFill>
+              </a:rPr>
+              <a:t>各个方案的落地</a:t>
             </a:r>
             <a:endParaRPr lang="zh-CN" altLang="en-US" dirty="0">
               <a:solidFill>

--- a/doc/01 战略/PSI产品战略.pptx
+++ b/doc/01 战略/PSI产品战略.pptx
@@ -5,7 +5,7 @@
     <p:sldMasterId id="2147483828" r:id="rId1"/>
   </p:sldMasterIdLst>
   <p:notesMasterIdLst>
-    <p:notesMasterId r:id="rId7"/>
+    <p:notesMasterId r:id="rId8"/>
   </p:notesMasterIdLst>
   <p:sldIdLst>
     <p:sldId id="256" r:id="rId2"/>
@@ -13,6 +13,7 @@
     <p:sldId id="258" r:id="rId4"/>
     <p:sldId id="259" r:id="rId5"/>
     <p:sldId id="260" r:id="rId6"/>
+    <p:sldId id="261" r:id="rId7"/>
   </p:sldIdLst>
   <p:sldSz cx="9144000" cy="6858000" type="screen4x3"/>
   <p:notesSz cx="6858000" cy="9144000"/>
@@ -197,7 +198,7 @@
             <a:fld id="{8FA986AC-D63B-43BF-ABD5-894C9141EDE9}" type="datetimeFigureOut">
               <a:rPr lang="zh-CN" altLang="en-US" smtClean="0"/>
               <a:pPr/>
-              <a:t>2021/12/23</a:t>
+              <a:t>2022/1/24</a:t>
             </a:fld>
             <a:endParaRPr lang="zh-CN" altLang="en-US"/>
           </a:p>
@@ -1171,7 +1172,7 @@
             <a:fld id="{D9C0AD90-9165-43E8-A10A-4FF9730CB16E}" type="datetime1">
               <a:rPr lang="zh-CN" altLang="en-US" smtClean="0"/>
               <a:pPr/>
-              <a:t>2021/12/23</a:t>
+              <a:t>2022/1/24</a:t>
             </a:fld>
             <a:endParaRPr lang="zh-CN" altLang="en-US"/>
           </a:p>
@@ -1373,7 +1374,7 @@
             <a:fld id="{B2A592CF-FF4A-4F6E-A234-CCA072EEF3DF}" type="datetime1">
               <a:rPr lang="zh-CN" altLang="en-US" smtClean="0"/>
               <a:pPr/>
-              <a:t>2021/12/23</a:t>
+              <a:t>2022/1/24</a:t>
             </a:fld>
             <a:endParaRPr lang="zh-CN" altLang="en-US"/>
           </a:p>
@@ -1564,7 +1565,7 @@
             <a:fld id="{AA4E759C-B875-417A-BF6A-F8802AC4C00B}" type="datetime1">
               <a:rPr lang="zh-CN" altLang="en-US" smtClean="0"/>
               <a:pPr/>
-              <a:t>2021/12/23</a:t>
+              <a:t>2022/1/24</a:t>
             </a:fld>
             <a:endParaRPr lang="zh-CN" altLang="en-US"/>
           </a:p>
@@ -1720,7 +1721,7 @@
             <a:fld id="{A2656E4D-8D4F-43EB-A380-C4E464EE22F0}" type="datetime1">
               <a:rPr lang="zh-CN" altLang="en-US" smtClean="0"/>
               <a:pPr/>
-              <a:t>2021/12/23</a:t>
+              <a:t>2022/1/24</a:t>
             </a:fld>
             <a:endParaRPr lang="zh-CN" altLang="en-US"/>
           </a:p>
@@ -1981,7 +1982,7 @@
             <a:fld id="{F245BFB9-2071-4A7E-8C93-BFD38CF24DF5}" type="datetime1">
               <a:rPr lang="zh-CN" altLang="en-US" smtClean="0"/>
               <a:pPr/>
-              <a:t>2021/12/23</a:t>
+              <a:t>2022/1/24</a:t>
             </a:fld>
             <a:endParaRPr lang="zh-CN" altLang="en-US"/>
           </a:p>
@@ -2396,7 +2397,7 @@
             <a:fld id="{64D81E65-76C3-4B8F-B96A-2E61B4980E51}" type="datetime1">
               <a:rPr lang="zh-CN" altLang="en-US" smtClean="0"/>
               <a:pPr/>
-              <a:t>2021/12/23</a:t>
+              <a:t>2022/1/24</a:t>
             </a:fld>
             <a:endParaRPr lang="zh-CN" altLang="en-US"/>
           </a:p>
@@ -2848,7 +2849,7 @@
             <a:fld id="{A04DB415-D56C-49B3-8D96-548B13A44BFC}" type="datetime1">
               <a:rPr lang="zh-CN" altLang="en-US" smtClean="0"/>
               <a:pPr/>
-              <a:t>2021/12/23</a:t>
+              <a:t>2022/1/24</a:t>
             </a:fld>
             <a:endParaRPr lang="zh-CN" altLang="en-US"/>
           </a:p>
@@ -2955,7 +2956,7 @@
             <a:fld id="{4BDAA57E-8309-4976-B392-95B5409AE8ED}" type="datetime1">
               <a:rPr lang="zh-CN" altLang="en-US" smtClean="0"/>
               <a:pPr/>
-              <a:t>2021/12/23</a:t>
+              <a:t>2022/1/24</a:t>
             </a:fld>
             <a:endParaRPr lang="zh-CN" altLang="en-US"/>
           </a:p>
@@ -3082,7 +3083,7 @@
             <a:fld id="{D8172D9A-FDDF-48AB-9CB0-3052958E5A68}" type="datetime1">
               <a:rPr lang="zh-CN" altLang="en-US" smtClean="0"/>
               <a:pPr/>
-              <a:t>2021/12/23</a:t>
+              <a:t>2022/1/24</a:t>
             </a:fld>
             <a:endParaRPr lang="zh-CN" altLang="en-US"/>
           </a:p>
@@ -3362,7 +3363,7 @@
             <a:fld id="{5FF78D67-6F34-443F-A98A-70AB8D8162FC}" type="datetime1">
               <a:rPr lang="zh-CN" altLang="en-US" smtClean="0"/>
               <a:pPr/>
-              <a:t>2021/12/23</a:t>
+              <a:t>2022/1/24</a:t>
             </a:fld>
             <a:endParaRPr lang="zh-CN" altLang="en-US"/>
           </a:p>
@@ -3573,7 +3574,7 @@
             <a:fld id="{B6D472FA-25B0-487A-952A-C1DD7DC97A68}" type="datetime1">
               <a:rPr lang="zh-CN" altLang="en-US" smtClean="0"/>
               <a:pPr/>
-              <a:t>2021/12/23</a:t>
+              <a:t>2022/1/24</a:t>
             </a:fld>
             <a:endParaRPr lang="zh-CN" altLang="en-US"/>
           </a:p>
@@ -4688,7 +4689,7 @@
             <a:fld id="{C4ADAF56-E7AE-4D4A-9758-8A933FDB32C7}" type="datetime1">
               <a:rPr lang="zh-CN" altLang="en-US" smtClean="0"/>
               <a:pPr/>
-              <a:t>2021/12/23</a:t>
+              <a:t>2022/1/24</a:t>
             </a:fld>
             <a:endParaRPr lang="zh-CN" altLang="en-US"/>
           </a:p>
@@ -7157,29 +7158,7 @@
                   </a:schemeClr>
                 </a:solidFill>
               </a:rPr>
-              <a:t>解决方案是最终的交付物，包括了：咨询方案、</a:t>
-            </a:r>
-            <a:r>
-              <a:rPr lang="zh-CN" altLang="en-US" dirty="0" smtClean="0">
-                <a:solidFill>
-                  <a:schemeClr val="tx1">
-                    <a:lumMod val="65000"/>
-                    <a:lumOff val="35000"/>
-                  </a:schemeClr>
-                </a:solidFill>
-              </a:rPr>
-              <a:t>业务优化方案</a:t>
-            </a:r>
-            <a:r>
-              <a:rPr lang="zh-CN" altLang="en-US" dirty="0" smtClean="0">
-                <a:solidFill>
-                  <a:schemeClr val="tx1">
-                    <a:lumMod val="65000"/>
-                    <a:lumOff val="35000"/>
-                  </a:schemeClr>
-                </a:solidFill>
-              </a:rPr>
-              <a:t>、法务合规方案、</a:t>
+              <a:t>解决方案是最终的交付物，包括了：咨询方案、业务优化方案、法务合规方案、</a:t>
             </a:r>
             <a:r>
               <a:rPr lang="en-US" altLang="zh-CN" dirty="0" smtClean="0">
@@ -7201,18 +7180,7 @@
                   </a:schemeClr>
                 </a:solidFill>
               </a:rPr>
-              <a:t>软件</a:t>
-            </a:r>
-            <a:r>
-              <a:rPr lang="zh-CN" altLang="en-US" dirty="0" smtClean="0">
-                <a:solidFill>
-                  <a:schemeClr val="tx1">
-                    <a:lumMod val="65000"/>
-                    <a:lumOff val="35000"/>
-                  </a:schemeClr>
-                </a:solidFill>
-              </a:rPr>
-              <a:t>系统和</a:t>
+              <a:t>软件系统和</a:t>
             </a:r>
             <a:r>
               <a:rPr lang="en-US" altLang="zh-CN" dirty="0" smtClean="0">
@@ -7234,18 +7202,7 @@
                   </a:schemeClr>
                 </a:solidFill>
               </a:rPr>
-              <a:t>实施方案，</a:t>
-            </a:r>
-            <a:r>
-              <a:rPr lang="zh-CN" altLang="en-US" dirty="0" smtClean="0">
-                <a:solidFill>
-                  <a:schemeClr val="tx1">
-                    <a:lumMod val="65000"/>
-                    <a:lumOff val="35000"/>
-                  </a:schemeClr>
-                </a:solidFill>
-              </a:rPr>
-              <a:t>并通过</a:t>
+              <a:t>实施方案，并通过</a:t>
             </a:r>
             <a:r>
               <a:rPr lang="en-US" altLang="zh-CN" dirty="0" smtClean="0">
@@ -7267,10 +7224,506 @@
                   </a:schemeClr>
                 </a:solidFill>
               </a:rPr>
-              <a:t>软件系统保证</a:t>
-            </a:r>
-            <a:r>
-              <a:rPr lang="zh-CN" altLang="en-US" dirty="0" smtClean="0">
+              <a:t>软件系统保证各个方案的落地</a:t>
+            </a:r>
+            <a:endParaRPr lang="zh-CN" altLang="en-US" dirty="0">
+              <a:solidFill>
+                <a:schemeClr val="tx1">
+                  <a:lumMod val="65000"/>
+                  <a:lumOff val="35000"/>
+                </a:schemeClr>
+              </a:solidFill>
+            </a:endParaRPr>
+          </a:p>
+        </p:txBody>
+      </p:sp>
+    </p:spTree>
+  </p:cSld>
+  <p:clrMapOvr>
+    <a:masterClrMapping/>
+  </p:clrMapOvr>
+  <p:timing>
+    <p:tnLst>
+      <p:par>
+        <p:cTn id="1" dur="indefinite" restart="never" nodeType="tmRoot"/>
+      </p:par>
+    </p:tnLst>
+  </p:timing>
+</p:sld>
+</file>
+
+<file path=ppt/slides/slide6.xml><?xml version="1.0" encoding="utf-8"?>
+<p:sld xmlns:a="http://schemas.openxmlformats.org/drawingml/2006/main" xmlns:r="http://schemas.openxmlformats.org/officeDocument/2006/relationships" xmlns:p="http://schemas.openxmlformats.org/presentationml/2006/main">
+  <p:cSld>
+    <p:spTree>
+      <p:nvGrpSpPr>
+        <p:cNvPr id="1" name=""/>
+        <p:cNvGrpSpPr/>
+        <p:nvPr/>
+      </p:nvGrpSpPr>
+      <p:grpSpPr>
+        <a:xfrm>
+          <a:off x="0" y="0"/>
+          <a:ext cx="0" cy="0"/>
+          <a:chOff x="0" y="0"/>
+          <a:chExt cx="0" cy="0"/>
+        </a:xfrm>
+      </p:grpSpPr>
+      <p:sp>
+        <p:nvSpPr>
+          <p:cNvPr id="2" name="内容占位符 1"/>
+          <p:cNvSpPr>
+            <a:spLocks noGrp="1"/>
+          </p:cNvSpPr>
+          <p:nvPr>
+            <p:ph idx="1"/>
+          </p:nvPr>
+        </p:nvSpPr>
+        <p:spPr/>
+        <p:txBody>
+          <a:bodyPr/>
+          <a:lstStyle/>
+          <a:p>
+            <a:pPr lvl="0">
+              <a:buNone/>
+            </a:pPr>
+            <a:endParaRPr lang="zh-CN" altLang="en-US" sz="2000" dirty="0" smtClean="0"/>
+          </a:p>
+          <a:p>
+            <a:pPr lvl="0"/>
+            <a:endParaRPr lang="en-US" dirty="0" smtClean="0"/>
+          </a:p>
+          <a:p>
+            <a:endParaRPr lang="zh-CN" altLang="en-US" dirty="0"/>
+          </a:p>
+        </p:txBody>
+      </p:sp>
+      <p:sp>
+        <p:nvSpPr>
+          <p:cNvPr id="3" name="页脚占位符 2"/>
+          <p:cNvSpPr>
+            <a:spLocks noGrp="1"/>
+          </p:cNvSpPr>
+          <p:nvPr>
+            <p:ph type="ftr" sz="quarter" idx="11"/>
+          </p:nvPr>
+        </p:nvSpPr>
+        <p:spPr/>
+        <p:txBody>
+          <a:bodyPr/>
+          <a:lstStyle/>
+          <a:p>
+            <a:r>
+              <a:rPr lang="zh-CN" altLang="en-US" smtClean="0"/>
+              <a:t>艾格林门信息服务（大连）有限公司</a:t>
+            </a:r>
+            <a:endParaRPr lang="zh-CN" altLang="en-US"/>
+          </a:p>
+        </p:txBody>
+      </p:sp>
+      <p:sp>
+        <p:nvSpPr>
+          <p:cNvPr id="4" name="灯片编号占位符 3"/>
+          <p:cNvSpPr>
+            <a:spLocks noGrp="1"/>
+          </p:cNvSpPr>
+          <p:nvPr>
+            <p:ph type="sldNum" sz="quarter" idx="12"/>
+          </p:nvPr>
+        </p:nvSpPr>
+        <p:spPr/>
+        <p:txBody>
+          <a:bodyPr/>
+          <a:lstStyle/>
+          <a:p>
+            <a:fld id="{5B0C748D-342E-484C-99EF-D2112307895F}" type="slidenum">
+              <a:rPr lang="zh-CN" altLang="en-US" smtClean="0"/>
+              <a:pPr/>
+              <a:t>6</a:t>
+            </a:fld>
+            <a:endParaRPr lang="zh-CN" altLang="en-US"/>
+          </a:p>
+        </p:txBody>
+      </p:sp>
+      <p:sp>
+        <p:nvSpPr>
+          <p:cNvPr id="5" name="标题 4"/>
+          <p:cNvSpPr>
+            <a:spLocks noGrp="1"/>
+          </p:cNvSpPr>
+          <p:nvPr>
+            <p:ph type="title"/>
+          </p:nvPr>
+        </p:nvSpPr>
+        <p:spPr/>
+        <p:txBody>
+          <a:bodyPr/>
+          <a:lstStyle/>
+          <a:p>
+            <a:r>
+              <a:rPr lang="en-US" altLang="zh-CN" dirty="0" smtClean="0">
+                <a:solidFill>
+                  <a:srgbClr val="C00000"/>
+                </a:solidFill>
+              </a:rPr>
+              <a:t>PSI Cloud</a:t>
+            </a:r>
+            <a:r>
+              <a:rPr lang="en-US" altLang="zh-CN" dirty="0" smtClean="0"/>
+              <a:t> </a:t>
+            </a:r>
+            <a:r>
+              <a:rPr lang="en-US" altLang="zh-CN" dirty="0" smtClean="0"/>
+              <a:t>– </a:t>
+            </a:r>
+            <a:r>
+              <a:rPr lang="en-US" altLang="zh-CN" dirty="0" smtClean="0"/>
+              <a:t>PSI</a:t>
+            </a:r>
+            <a:r>
+              <a:rPr lang="zh-CN" altLang="en-US" dirty="0" smtClean="0"/>
+              <a:t>云平台</a:t>
+            </a:r>
+            <a:endParaRPr lang="zh-CN" altLang="en-US" dirty="0"/>
+          </a:p>
+        </p:txBody>
+      </p:sp>
+      <p:graphicFrame>
+        <p:nvGraphicFramePr>
+          <p:cNvPr id="6" name="表格 5"/>
+          <p:cNvGraphicFramePr>
+            <a:graphicFrameLocks noGrp="1"/>
+          </p:cNvGraphicFramePr>
+          <p:nvPr/>
+        </p:nvGraphicFramePr>
+        <p:xfrm>
+          <a:off x="642910" y="1357298"/>
+          <a:ext cx="7500990" cy="2570480"/>
+        </p:xfrm>
+        <a:graphic>
+          <a:graphicData uri="http://schemas.openxmlformats.org/drawingml/2006/table">
+            <a:tbl>
+              <a:tblPr firstRow="1" bandRow="1">
+                <a:tableStyleId>{5C22544A-7EE6-4342-B048-85BDC9FD1C3A}</a:tableStyleId>
+              </a:tblPr>
+              <a:tblGrid>
+                <a:gridCol w="775970"/>
+                <a:gridCol w="2010112"/>
+                <a:gridCol w="4714908"/>
+              </a:tblGrid>
+              <a:tr h="370840">
+                <a:tc>
+                  <a:txBody>
+                    <a:bodyPr/>
+                    <a:lstStyle/>
+                    <a:p>
+                      <a:pPr algn="ctr"/>
+                      <a:r>
+                        <a:rPr lang="zh-CN" altLang="en-US" dirty="0" smtClean="0"/>
+                        <a:t>构成</a:t>
+                      </a:r>
+                      <a:endParaRPr lang="zh-CN" altLang="en-US" dirty="0"/>
+                    </a:p>
+                  </a:txBody>
+                  <a:tcPr/>
+                </a:tc>
+                <a:tc>
+                  <a:txBody>
+                    <a:bodyPr/>
+                    <a:lstStyle/>
+                    <a:p>
+                      <a:pPr algn="ctr"/>
+                      <a:r>
+                        <a:rPr lang="zh-CN" altLang="en-US" dirty="0" smtClean="0"/>
+                        <a:t>对象</a:t>
+                      </a:r>
+                      <a:endParaRPr lang="zh-CN" altLang="en-US" dirty="0"/>
+                    </a:p>
+                  </a:txBody>
+                  <a:tcPr/>
+                </a:tc>
+                <a:tc>
+                  <a:txBody>
+                    <a:bodyPr/>
+                    <a:lstStyle/>
+                    <a:p>
+                      <a:pPr algn="ctr"/>
+                      <a:r>
+                        <a:rPr lang="zh-CN" altLang="en-US" dirty="0" smtClean="0"/>
+                        <a:t>内容</a:t>
+                      </a:r>
+                      <a:endParaRPr lang="zh-CN" altLang="en-US" dirty="0"/>
+                    </a:p>
+                  </a:txBody>
+                  <a:tcPr/>
+                </a:tc>
+              </a:tr>
+              <a:tr h="370840">
+                <a:tc>
+                  <a:txBody>
+                    <a:bodyPr/>
+                    <a:lstStyle/>
+                    <a:p>
+                      <a:pPr algn="ctr"/>
+                      <a:r>
+                        <a:rPr lang="zh-CN" altLang="en-US" dirty="0" smtClean="0"/>
+                        <a:t>服务</a:t>
+                      </a:r>
+                      <a:endParaRPr lang="zh-CN" altLang="en-US" dirty="0"/>
+                    </a:p>
+                  </a:txBody>
+                  <a:tcPr/>
+                </a:tc>
+                <a:tc>
+                  <a:txBody>
+                    <a:bodyPr/>
+                    <a:lstStyle/>
+                    <a:p>
+                      <a:r>
+                        <a:rPr lang="zh-CN" altLang="en-US" dirty="0" smtClean="0"/>
+                        <a:t>商业合作伙伴</a:t>
+                      </a:r>
+                      <a:endParaRPr lang="zh-CN" altLang="en-US" dirty="0"/>
+                    </a:p>
+                  </a:txBody>
+                  <a:tcPr/>
+                </a:tc>
+                <a:tc>
+                  <a:txBody>
+                    <a:bodyPr/>
+                    <a:lstStyle/>
+                    <a:p>
+                      <a:r>
+                        <a:rPr lang="zh-CN" altLang="en-US" dirty="0" smtClean="0"/>
+                        <a:t>基于解决方案的线上服务</a:t>
+                      </a:r>
+                      <a:endParaRPr lang="zh-CN" altLang="en-US" dirty="0"/>
+                    </a:p>
+                  </a:txBody>
+                  <a:tcPr/>
+                </a:tc>
+              </a:tr>
+              <a:tr h="370840">
+                <a:tc>
+                  <a:txBody>
+                    <a:bodyPr/>
+                    <a:lstStyle/>
+                    <a:p>
+                      <a:pPr algn="ctr"/>
+                      <a:r>
+                        <a:rPr lang="zh-CN" altLang="en-US" dirty="0" smtClean="0"/>
+                        <a:t>部署</a:t>
+                      </a:r>
+                      <a:endParaRPr lang="zh-CN" altLang="en-US" dirty="0"/>
+                    </a:p>
+                  </a:txBody>
+                  <a:tcPr anchor="ctr"/>
+                </a:tc>
+                <a:tc>
+                  <a:txBody>
+                    <a:bodyPr/>
+                    <a:lstStyle/>
+                    <a:p>
+                      <a:pPr marL="0" marR="0" indent="0" algn="l" defTabSz="914400" rtl="0" eaLnBrk="1" fontAlgn="auto" latinLnBrk="0" hangingPunct="1">
+                        <a:lnSpc>
+                          <a:spcPct val="100000"/>
+                        </a:lnSpc>
+                        <a:spcBef>
+                          <a:spcPts val="0"/>
+                        </a:spcBef>
+                        <a:spcAft>
+                          <a:spcPts val="0"/>
+                        </a:spcAft>
+                        <a:buClrTx/>
+                        <a:buSzTx/>
+                        <a:buFont typeface="Wingdings" pitchFamily="2" charset="2"/>
+                        <a:buChar char="l"/>
+                        <a:tabLst/>
+                        <a:defRPr/>
+                      </a:pPr>
+                      <a:r>
+                        <a:rPr lang="zh-CN" altLang="en-US" dirty="0" smtClean="0"/>
+                        <a:t>商业合作伙伴</a:t>
+                      </a:r>
+                      <a:endParaRPr lang="en-US" altLang="zh-CN" dirty="0" smtClean="0"/>
+                    </a:p>
+                    <a:p>
+                      <a:pPr marL="0" marR="0" indent="0" algn="l" defTabSz="914400" rtl="0" eaLnBrk="1" fontAlgn="auto" latinLnBrk="0" hangingPunct="1">
+                        <a:lnSpc>
+                          <a:spcPct val="100000"/>
+                        </a:lnSpc>
+                        <a:spcBef>
+                          <a:spcPts val="0"/>
+                        </a:spcBef>
+                        <a:spcAft>
+                          <a:spcPts val="0"/>
+                        </a:spcAft>
+                        <a:buClrTx/>
+                        <a:buSzTx/>
+                        <a:buFont typeface="Wingdings" pitchFamily="2" charset="2"/>
+                        <a:buChar char="l"/>
+                        <a:tabLst/>
+                        <a:defRPr/>
+                      </a:pPr>
+                      <a:r>
+                        <a:rPr lang="zh-CN" altLang="en-US" dirty="0" smtClean="0"/>
+                        <a:t>社区合作伙伴</a:t>
+                      </a:r>
+                    </a:p>
+                  </a:txBody>
+                  <a:tcPr anchor="ctr"/>
+                </a:tc>
+                <a:tc>
+                  <a:txBody>
+                    <a:bodyPr/>
+                    <a:lstStyle/>
+                    <a:p>
+                      <a:r>
+                        <a:rPr lang="en-US" altLang="zh-CN" dirty="0" err="1" smtClean="0"/>
+                        <a:t>PaaS</a:t>
+                      </a:r>
+                      <a:r>
+                        <a:rPr lang="zh-CN" altLang="en-US" dirty="0" smtClean="0"/>
+                        <a:t>平台，让合作伙伴快速把解决方案部署在</a:t>
+                      </a:r>
+                      <a:r>
+                        <a:rPr lang="en-US" altLang="zh-CN" dirty="0" smtClean="0"/>
+                        <a:t>PSI</a:t>
+                      </a:r>
+                      <a:r>
+                        <a:rPr lang="zh-CN" altLang="en-US" dirty="0" smtClean="0"/>
+                        <a:t>云平台上，用于给最终客户演示、实施和运维</a:t>
+                      </a:r>
+                      <a:endParaRPr lang="zh-CN" altLang="en-US" dirty="0"/>
+                    </a:p>
+                  </a:txBody>
+                  <a:tcPr anchor="ctr"/>
+                </a:tc>
+              </a:tr>
+              <a:tr h="370840">
+                <a:tc>
+                  <a:txBody>
+                    <a:bodyPr/>
+                    <a:lstStyle/>
+                    <a:p>
+                      <a:pPr algn="ctr"/>
+                      <a:r>
+                        <a:rPr lang="zh-CN" altLang="en-US" dirty="0" smtClean="0"/>
+                        <a:t>交易</a:t>
+                      </a:r>
+                      <a:endParaRPr lang="zh-CN" altLang="en-US" dirty="0"/>
+                    </a:p>
+                  </a:txBody>
+                  <a:tcPr anchor="ctr"/>
+                </a:tc>
+                <a:tc>
+                  <a:txBody>
+                    <a:bodyPr/>
+                    <a:lstStyle/>
+                    <a:p>
+                      <a:pPr marL="0" marR="0" indent="0" algn="l" defTabSz="914400" rtl="0" eaLnBrk="1" fontAlgn="auto" latinLnBrk="0" hangingPunct="1">
+                        <a:lnSpc>
+                          <a:spcPct val="100000"/>
+                        </a:lnSpc>
+                        <a:spcBef>
+                          <a:spcPts val="0"/>
+                        </a:spcBef>
+                        <a:spcAft>
+                          <a:spcPts val="0"/>
+                        </a:spcAft>
+                        <a:buClrTx/>
+                        <a:buSzTx/>
+                        <a:buFont typeface="Wingdings" pitchFamily="2" charset="2"/>
+                        <a:buChar char="l"/>
+                        <a:tabLst/>
+                        <a:defRPr/>
+                      </a:pPr>
+                      <a:r>
+                        <a:rPr lang="zh-CN" altLang="en-US" dirty="0" smtClean="0"/>
+                        <a:t>商业合作伙伴</a:t>
+                      </a:r>
+                      <a:endParaRPr lang="en-US" altLang="zh-CN" dirty="0" smtClean="0"/>
+                    </a:p>
+                    <a:p>
+                      <a:pPr marL="0" marR="0" indent="0" algn="l" defTabSz="914400" rtl="0" eaLnBrk="1" fontAlgn="auto" latinLnBrk="0" hangingPunct="1">
+                        <a:lnSpc>
+                          <a:spcPct val="100000"/>
+                        </a:lnSpc>
+                        <a:spcBef>
+                          <a:spcPts val="0"/>
+                        </a:spcBef>
+                        <a:spcAft>
+                          <a:spcPts val="0"/>
+                        </a:spcAft>
+                        <a:buClrTx/>
+                        <a:buSzTx/>
+                        <a:buFont typeface="Wingdings" pitchFamily="2" charset="2"/>
+                        <a:buChar char="l"/>
+                        <a:tabLst/>
+                        <a:defRPr/>
+                      </a:pPr>
+                      <a:r>
+                        <a:rPr lang="zh-CN" altLang="en-US" dirty="0" smtClean="0"/>
+                        <a:t>社区合作伙伴</a:t>
+                      </a:r>
+                    </a:p>
+                    <a:p>
+                      <a:pPr>
+                        <a:buFont typeface="Wingdings" pitchFamily="2" charset="2"/>
+                        <a:buChar char="l"/>
+                      </a:pPr>
+                      <a:r>
+                        <a:rPr lang="zh-CN" altLang="en-US" dirty="0" smtClean="0"/>
+                        <a:t>企业</a:t>
+                      </a:r>
+                      <a:endParaRPr lang="zh-CN" altLang="en-US" dirty="0"/>
+                    </a:p>
+                  </a:txBody>
+                  <a:tcPr/>
+                </a:tc>
+                <a:tc>
+                  <a:txBody>
+                    <a:bodyPr/>
+                    <a:lstStyle/>
+                    <a:p>
+                      <a:r>
+                        <a:rPr lang="zh-CN" altLang="en-US" dirty="0" smtClean="0"/>
+                        <a:t>解决方案的交易市场，让合作伙伴更好地销售解决方案，让企业更容易地找到合适的解决方案</a:t>
+                      </a:r>
+                      <a:endParaRPr lang="zh-CN" altLang="en-US" dirty="0"/>
+                    </a:p>
+                  </a:txBody>
+                  <a:tcPr anchor="ctr"/>
+                </a:tc>
+              </a:tr>
+            </a:tbl>
+          </a:graphicData>
+        </a:graphic>
+      </p:graphicFrame>
+      <p:sp>
+        <p:nvSpPr>
+          <p:cNvPr id="7" name="TextBox 6"/>
+          <p:cNvSpPr txBox="1"/>
+          <p:nvPr/>
+        </p:nvSpPr>
+        <p:spPr>
+          <a:xfrm>
+            <a:off x="714348" y="4640057"/>
+            <a:ext cx="7500990" cy="461665"/>
+          </a:xfrm>
+          <a:prstGeom prst="rect">
+            <a:avLst/>
+          </a:prstGeom>
+          <a:noFill/>
+        </p:spPr>
+        <p:txBody>
+          <a:bodyPr wrap="square" rtlCol="0">
+            <a:spAutoFit/>
+          </a:bodyPr>
+          <a:lstStyle/>
+          <a:p>
+            <a:r>
+              <a:rPr lang="zh-CN" altLang="en-US" sz="2400" dirty="0" smtClean="0">
                 <a:solidFill>
                   <a:schemeClr val="tx1">
                     <a:lumMod val="65000"/>
@@ -7278,9 +7731,53 @@
                   </a:schemeClr>
                 </a:solidFill>
               </a:rPr>
-              <a:t>各个方案的落地</a:t>
-            </a:r>
-            <a:endParaRPr lang="zh-CN" altLang="en-US" dirty="0">
+              <a:t>企业愿景：</a:t>
+            </a:r>
+            <a:r>
+              <a:rPr lang="en-US" altLang="zh-CN" sz="2400" dirty="0" smtClean="0">
+                <a:solidFill>
+                  <a:schemeClr val="tx1">
+                    <a:lumMod val="65000"/>
+                    <a:lumOff val="35000"/>
+                  </a:schemeClr>
+                </a:solidFill>
+              </a:rPr>
+              <a:t>PSI</a:t>
+            </a:r>
+            <a:r>
+              <a:rPr lang="zh-CN" altLang="en-US" sz="2400" dirty="0" smtClean="0">
+                <a:solidFill>
+                  <a:schemeClr val="tx1">
+                    <a:lumMod val="65000"/>
+                    <a:lumOff val="35000"/>
+                  </a:schemeClr>
+                </a:solidFill>
+              </a:rPr>
+              <a:t>，让国产高端</a:t>
+            </a:r>
+            <a:r>
+              <a:rPr lang="en-US" altLang="zh-CN" sz="2400" dirty="0" smtClean="0">
+                <a:solidFill>
+                  <a:schemeClr val="tx1">
+                    <a:lumMod val="65000"/>
+                    <a:lumOff val="35000"/>
+                  </a:schemeClr>
+                </a:solidFill>
+              </a:rPr>
+              <a:t>ERP</a:t>
+            </a:r>
+            <a:r>
+              <a:rPr lang="zh-CN" altLang="en-US" sz="2400" dirty="0" smtClean="0">
+                <a:solidFill>
+                  <a:schemeClr val="tx1">
+                    <a:lumMod val="65000"/>
+                    <a:lumOff val="35000"/>
+                  </a:schemeClr>
+                </a:solidFill>
+              </a:rPr>
+              <a:t>平民化</a:t>
+            </a:r>
+            <a:endParaRPr lang="zh-CN" altLang="en-US" sz="2400" dirty="0">
               <a:solidFill>
                 <a:schemeClr val="tx1">
                   <a:lumMod val="65000"/>
